--- a/Présentation/Présentation 27_02_2018.pptx
+++ b/Présentation/Présentation 27_02_2018.pptx
@@ -2,27 +2,26 @@
 <file path=ppt/presentation.xml><?xml version="1.0" encoding="utf-8"?>
 <p:presentation xmlns:a="http://schemas.openxmlformats.org/drawingml/2006/main" xmlns:r="http://schemas.openxmlformats.org/officeDocument/2006/relationships" xmlns:p="http://schemas.openxmlformats.org/presentationml/2006/main" saveSubsetFonts="1">
   <p:sldMasterIdLst>
-    <p:sldMasterId id="2147483708" r:id="rId1"/>
+    <p:sldMasterId id="2147483804" r:id="rId1"/>
   </p:sldMasterIdLst>
   <p:notesMasterIdLst>
-    <p:notesMasterId r:id="rId14"/>
+    <p:notesMasterId r:id="rId13"/>
   </p:notesMasterIdLst>
   <p:handoutMasterIdLst>
-    <p:handoutMasterId r:id="rId15"/>
+    <p:handoutMasterId r:id="rId14"/>
   </p:handoutMasterIdLst>
   <p:sldIdLst>
     <p:sldId id="256" r:id="rId2"/>
     <p:sldId id="257" r:id="rId3"/>
     <p:sldId id="258" r:id="rId4"/>
     <p:sldId id="259" r:id="rId5"/>
-    <p:sldId id="260" r:id="rId6"/>
-    <p:sldId id="261" r:id="rId7"/>
-    <p:sldId id="262" r:id="rId8"/>
+    <p:sldId id="264" r:id="rId6"/>
+    <p:sldId id="260" r:id="rId7"/>
+    <p:sldId id="261" r:id="rId8"/>
     <p:sldId id="263" r:id="rId9"/>
-    <p:sldId id="264" r:id="rId10"/>
+    <p:sldId id="262" r:id="rId10"/>
     <p:sldId id="265" r:id="rId11"/>
-    <p:sldId id="266" r:id="rId12"/>
-    <p:sldId id="267" r:id="rId13"/>
+    <p:sldId id="267" r:id="rId12"/>
   </p:sldIdLst>
   <p:sldSz cx="12192000" cy="6858000"/>
   <p:notesSz cx="6858000" cy="9144000"/>
@@ -121,6 +120,14 @@
       </a:defRPr>
     </a:lvl9pPr>
   </p:defaultTextStyle>
+  <p:extLst>
+    <p:ext uri="{EFAFB233-063F-42B5-8137-9DF3F51BA10A}">
+      <p15:sldGuideLst xmlns:p15="http://schemas.microsoft.com/office/powerpoint/2012/main"/>
+    </p:ext>
+    <p:ext uri="{2D200454-40CA-4A62-9FC3-DE9A4176ACB9}">
+      <p15:notesGuideLst xmlns:p15="http://schemas.microsoft.com/office/powerpoint/2012/main"/>
+    </p:ext>
+  </p:extLst>
 </p:presentation>
 </file>
 
@@ -218,7 +225,7 @@
           <a:p>
             <a:fld id="{FFF94BC6-7490-4138-B2B3-2BD3ED35DAFF}" type="datetimeFigureOut">
               <a:rPr lang="fr-FR" smtClean="0"/>
-              <a:t>21/02/2018</a:t>
+              <a:t>26/02/2018</a:t>
             </a:fld>
             <a:endParaRPr lang="fr-FR"/>
           </a:p>
@@ -432,7 +439,7 @@
           <a:p>
             <a:fld id="{0792F3DA-FA97-4026-AACC-48C33D1A20A5}" type="datetimeFigureOut">
               <a:rPr lang="fr-FR" smtClean="0"/>
-              <a:t>21/02/2018</a:t>
+              <a:t>26/02/2018</a:t>
             </a:fld>
             <a:endParaRPr lang="fr-FR"/>
           </a:p>
@@ -873,7 +880,7 @@
           <a:p>
             <a:fld id="{545A3781-F129-42A2-B3BE-FA4305C9CBAC}" type="datetime1">
               <a:rPr lang="fr-FR" smtClean="0"/>
-              <a:t>21/02/2018</a:t>
+              <a:t>26/02/2018</a:t>
             </a:fld>
             <a:endParaRPr lang="fr-FR"/>
           </a:p>
@@ -1079,7 +1086,7 @@
     </p:spTree>
     <p:extLst>
       <p:ext uri="{BB962C8B-B14F-4D97-AF65-F5344CB8AC3E}">
-        <p14:creationId xmlns:p14="http://schemas.microsoft.com/office/powerpoint/2010/main" val="1857180518"/>
+        <p14:creationId xmlns:p14="http://schemas.microsoft.com/office/powerpoint/2010/main" val="3524650668"/>
       </p:ext>
     </p:extLst>
   </p:cSld>
@@ -1203,7 +1210,7 @@
           <a:p>
             <a:fld id="{A7DD7671-CE5A-4F13-A006-8803CED89820}" type="datetime1">
               <a:rPr lang="fr-FR" smtClean="0"/>
-              <a:t>21/02/2018</a:t>
+              <a:t>26/02/2018</a:t>
             </a:fld>
             <a:endParaRPr lang="fr-FR"/>
           </a:p>
@@ -1254,7 +1261,7 @@
     </p:spTree>
     <p:extLst>
       <p:ext uri="{BB962C8B-B14F-4D97-AF65-F5344CB8AC3E}">
-        <p14:creationId xmlns:p14="http://schemas.microsoft.com/office/powerpoint/2010/main" val="2325928372"/>
+        <p14:creationId xmlns:p14="http://schemas.microsoft.com/office/powerpoint/2010/main" val="3713027833"/>
       </p:ext>
     </p:extLst>
   </p:cSld>
@@ -1383,7 +1390,7 @@
           <a:p>
             <a:fld id="{AD799084-185B-4E09-B6ED-EEB23401345E}" type="datetime1">
               <a:rPr lang="fr-FR" smtClean="0"/>
-              <a:t>21/02/2018</a:t>
+              <a:t>26/02/2018</a:t>
             </a:fld>
             <a:endParaRPr lang="fr-FR"/>
           </a:p>
@@ -1434,7 +1441,7 @@
     </p:spTree>
     <p:extLst>
       <p:ext uri="{BB962C8B-B14F-4D97-AF65-F5344CB8AC3E}">
-        <p14:creationId xmlns:p14="http://schemas.microsoft.com/office/powerpoint/2010/main" val="1657183872"/>
+        <p14:creationId xmlns:p14="http://schemas.microsoft.com/office/powerpoint/2010/main" val="129092225"/>
       </p:ext>
     </p:extLst>
   </p:cSld>
@@ -1553,7 +1560,7 @@
           <a:p>
             <a:fld id="{CAAA3820-11B3-494A-8510-8B438AC8F0A2}" type="datetime1">
               <a:rPr lang="fr-FR" smtClean="0"/>
-              <a:t>21/02/2018</a:t>
+              <a:t>26/02/2018</a:t>
             </a:fld>
             <a:endParaRPr lang="fr-FR"/>
           </a:p>
@@ -1604,7 +1611,7 @@
     </p:spTree>
     <p:extLst>
       <p:ext uri="{BB962C8B-B14F-4D97-AF65-F5344CB8AC3E}">
-        <p14:creationId xmlns:p14="http://schemas.microsoft.com/office/powerpoint/2010/main" val="87098135"/>
+        <p14:creationId xmlns:p14="http://schemas.microsoft.com/office/powerpoint/2010/main" val="363752189"/>
       </p:ext>
     </p:extLst>
   </p:cSld>
@@ -1830,7 +1837,7 @@
           <a:p>
             <a:fld id="{70C9123D-6EEA-4462-954F-7B09A7144F04}" type="datetime1">
               <a:rPr lang="fr-FR" smtClean="0"/>
-              <a:t>21/02/2018</a:t>
+              <a:t>26/02/2018</a:t>
             </a:fld>
             <a:endParaRPr lang="fr-FR"/>
           </a:p>
@@ -1963,7 +1970,7 @@
     </p:spTree>
     <p:extLst>
       <p:ext uri="{BB962C8B-B14F-4D97-AF65-F5344CB8AC3E}">
-        <p14:creationId xmlns:p14="http://schemas.microsoft.com/office/powerpoint/2010/main" val="1917415268"/>
+        <p14:creationId xmlns:p14="http://schemas.microsoft.com/office/powerpoint/2010/main" val="1108456287"/>
       </p:ext>
     </p:extLst>
   </p:cSld>
@@ -2224,7 +2231,7 @@
           <a:p>
             <a:fld id="{5BB27AAB-132C-4739-A1F9-49D650D747D0}" type="datetime1">
               <a:rPr lang="fr-FR" smtClean="0"/>
-              <a:t>21/02/2018</a:t>
+              <a:t>26/02/2018</a:t>
             </a:fld>
             <a:endParaRPr lang="fr-FR"/>
           </a:p>
@@ -2275,7 +2282,7 @@
     </p:spTree>
     <p:extLst>
       <p:ext uri="{BB962C8B-B14F-4D97-AF65-F5344CB8AC3E}">
-        <p14:creationId xmlns:p14="http://schemas.microsoft.com/office/powerpoint/2010/main" val="1302174124"/>
+        <p14:creationId xmlns:p14="http://schemas.microsoft.com/office/powerpoint/2010/main" val="3561072959"/>
       </p:ext>
     </p:extLst>
   </p:cSld>
@@ -2701,7 +2708,7 @@
           <a:p>
             <a:fld id="{B845B989-195B-42A3-94EC-C6156FB0048F}" type="datetime1">
               <a:rPr lang="fr-FR" smtClean="0"/>
-              <a:t>21/02/2018</a:t>
+              <a:t>26/02/2018</a:t>
             </a:fld>
             <a:endParaRPr lang="fr-FR"/>
           </a:p>
@@ -2752,7 +2759,7 @@
     </p:spTree>
     <p:extLst>
       <p:ext uri="{BB962C8B-B14F-4D97-AF65-F5344CB8AC3E}">
-        <p14:creationId xmlns:p14="http://schemas.microsoft.com/office/powerpoint/2010/main" val="1773257676"/>
+        <p14:creationId xmlns:p14="http://schemas.microsoft.com/office/powerpoint/2010/main" val="1853614095"/>
       </p:ext>
     </p:extLst>
   </p:cSld>
@@ -2819,7 +2826,7 @@
           <a:p>
             <a:fld id="{CEF445D1-D9E9-4695-A6E4-29BBEDAE9BC6}" type="datetime1">
               <a:rPr lang="fr-FR" smtClean="0"/>
-              <a:t>21/02/2018</a:t>
+              <a:t>26/02/2018</a:t>
             </a:fld>
             <a:endParaRPr lang="fr-FR"/>
           </a:p>
@@ -2870,7 +2877,7 @@
     </p:spTree>
     <p:extLst>
       <p:ext uri="{BB962C8B-B14F-4D97-AF65-F5344CB8AC3E}">
-        <p14:creationId xmlns:p14="http://schemas.microsoft.com/office/powerpoint/2010/main" val="3532971463"/>
+        <p14:creationId xmlns:p14="http://schemas.microsoft.com/office/powerpoint/2010/main" val="3301945300"/>
       </p:ext>
     </p:extLst>
   </p:cSld>
@@ -2914,7 +2921,7 @@
           <a:p>
             <a:fld id="{6D4342DC-9682-4544-8F3B-176364642215}" type="datetime1">
               <a:rPr lang="fr-FR" smtClean="0"/>
-              <a:t>21/02/2018</a:t>
+              <a:t>26/02/2018</a:t>
             </a:fld>
             <a:endParaRPr lang="fr-FR"/>
           </a:p>
@@ -2965,7 +2972,7 @@
     </p:spTree>
     <p:extLst>
       <p:ext uri="{BB962C8B-B14F-4D97-AF65-F5344CB8AC3E}">
-        <p14:creationId xmlns:p14="http://schemas.microsoft.com/office/powerpoint/2010/main" val="2733529078"/>
+        <p14:creationId xmlns:p14="http://schemas.microsoft.com/office/powerpoint/2010/main" val="2464742781"/>
       </p:ext>
     </p:extLst>
   </p:cSld>
@@ -3260,7 +3267,7 @@
           <a:p>
             <a:fld id="{AC7AF361-9BD4-47E8-BFE1-1919D395A6A6}" type="datetime1">
               <a:rPr lang="fr-FR" smtClean="0"/>
-              <a:t>21/02/2018</a:t>
+              <a:t>26/02/2018</a:t>
             </a:fld>
             <a:endParaRPr lang="fr-FR"/>
           </a:p>
@@ -3375,7 +3382,7 @@
     </p:spTree>
     <p:extLst>
       <p:ext uri="{BB962C8B-B14F-4D97-AF65-F5344CB8AC3E}">
-        <p14:creationId xmlns:p14="http://schemas.microsoft.com/office/powerpoint/2010/main" val="4199031198"/>
+        <p14:creationId xmlns:p14="http://schemas.microsoft.com/office/powerpoint/2010/main" val="2044538597"/>
       </p:ext>
     </p:extLst>
   </p:cSld>
@@ -3648,7 +3655,7 @@
           <a:p>
             <a:fld id="{32D3192D-64C4-4F0E-A0D2-E632304292F1}" type="datetime1">
               <a:rPr lang="fr-FR" smtClean="0"/>
-              <a:t>21/02/2018</a:t>
+              <a:t>26/02/2018</a:t>
             </a:fld>
             <a:endParaRPr lang="fr-FR"/>
           </a:p>
@@ -3763,7 +3770,7 @@
     </p:spTree>
     <p:extLst>
       <p:ext uri="{BB962C8B-B14F-4D97-AF65-F5344CB8AC3E}">
-        <p14:creationId xmlns:p14="http://schemas.microsoft.com/office/powerpoint/2010/main" val="1181073109"/>
+        <p14:creationId xmlns:p14="http://schemas.microsoft.com/office/powerpoint/2010/main" val="1989515413"/>
       </p:ext>
     </p:extLst>
   </p:cSld>
@@ -3926,7 +3933,7 @@
           <a:p>
             <a:fld id="{BE22DA1D-13EE-42AB-BC79-47C955520580}" type="datetime1">
               <a:rPr lang="fr-FR" smtClean="0"/>
-              <a:t>21/02/2018</a:t>
+              <a:t>26/02/2018</a:t>
             </a:fld>
             <a:endParaRPr lang="fr-FR"/>
           </a:p>
@@ -4047,23 +4054,23 @@
     </p:spTree>
     <p:extLst>
       <p:ext uri="{BB962C8B-B14F-4D97-AF65-F5344CB8AC3E}">
-        <p14:creationId xmlns:p14="http://schemas.microsoft.com/office/powerpoint/2010/main" val="4118728097"/>
+        <p14:creationId xmlns:p14="http://schemas.microsoft.com/office/powerpoint/2010/main" val="2616742769"/>
       </p:ext>
     </p:extLst>
   </p:cSld>
   <p:clrMap bg1="lt1" tx1="dk1" bg2="lt2" tx2="dk2" accent1="accent1" accent2="accent2" accent3="accent3" accent4="accent4" accent5="accent5" accent6="accent6" hlink="hlink" folHlink="folHlink"/>
   <p:sldLayoutIdLst>
-    <p:sldLayoutId id="2147483709" r:id="rId1"/>
-    <p:sldLayoutId id="2147483710" r:id="rId2"/>
-    <p:sldLayoutId id="2147483711" r:id="rId3"/>
-    <p:sldLayoutId id="2147483712" r:id="rId4"/>
-    <p:sldLayoutId id="2147483713" r:id="rId5"/>
-    <p:sldLayoutId id="2147483714" r:id="rId6"/>
-    <p:sldLayoutId id="2147483715" r:id="rId7"/>
-    <p:sldLayoutId id="2147483716" r:id="rId8"/>
-    <p:sldLayoutId id="2147483717" r:id="rId9"/>
-    <p:sldLayoutId id="2147483718" r:id="rId10"/>
-    <p:sldLayoutId id="2147483719" r:id="rId11"/>
+    <p:sldLayoutId id="2147483805" r:id="rId1"/>
+    <p:sldLayoutId id="2147483806" r:id="rId2"/>
+    <p:sldLayoutId id="2147483807" r:id="rId3"/>
+    <p:sldLayoutId id="2147483808" r:id="rId4"/>
+    <p:sldLayoutId id="2147483809" r:id="rId5"/>
+    <p:sldLayoutId id="2147483810" r:id="rId6"/>
+    <p:sldLayoutId id="2147483811" r:id="rId7"/>
+    <p:sldLayoutId id="2147483812" r:id="rId8"/>
+    <p:sldLayoutId id="2147483813" r:id="rId9"/>
+    <p:sldLayoutId id="2147483814" r:id="rId10"/>
+    <p:sldLayoutId id="2147483815" r:id="rId11"/>
   </p:sldLayoutIdLst>
   <p:hf hdr="0" ftr="0" dt="0"/>
   <p:txStyles>
@@ -4507,6 +4514,35 @@
           </a:p>
         </p:txBody>
       </p:sp>
+      <p:sp>
+        <p:nvSpPr>
+          <p:cNvPr id="9" name="Espace réservé du numéro de diapositive 8">
+            <a:extLst>
+              <a:ext uri="{FF2B5EF4-FFF2-40B4-BE49-F238E27FC236}">
+                <a16:creationId xmlns:a16="http://schemas.microsoft.com/office/drawing/2014/main" id="{9C6BBE93-CF04-41D2-8173-353057A3A7CF}"/>
+              </a:ext>
+            </a:extLst>
+          </p:cNvPr>
+          <p:cNvSpPr>
+            <a:spLocks noGrp="1"/>
+          </p:cNvSpPr>
+          <p:nvPr>
+            <p:ph type="sldNum" sz="quarter" idx="12"/>
+          </p:nvPr>
+        </p:nvSpPr>
+        <p:spPr/>
+        <p:txBody>
+          <a:bodyPr/>
+          <a:lstStyle/>
+          <a:p>
+            <a:fld id="{1A1C1EDE-16B0-4FB0-A57E-F5C4163E195F}" type="slidenum">
+              <a:rPr lang="fr-FR" smtClean="0"/>
+              <a:t>1</a:t>
+            </a:fld>
+            <a:endParaRPr lang="fr-FR"/>
+          </a:p>
+        </p:txBody>
+      </p:sp>
       <p:pic>
         <p:nvPicPr>
           <p:cNvPr id="7" name="Image 6" descr="Une image contenant objet&#10;&#10;Description générée avec un niveau de confiance élevé">
@@ -4543,35 +4579,6 @@
           </a:prstGeom>
         </p:spPr>
       </p:pic>
-      <p:sp>
-        <p:nvSpPr>
-          <p:cNvPr id="9" name="Espace réservé du numéro de diapositive 8">
-            <a:extLst>
-              <a:ext uri="{FF2B5EF4-FFF2-40B4-BE49-F238E27FC236}">
-                <a16:creationId xmlns:a16="http://schemas.microsoft.com/office/drawing/2014/main" id="{9C6BBE93-CF04-41D2-8173-353057A3A7CF}"/>
-              </a:ext>
-            </a:extLst>
-          </p:cNvPr>
-          <p:cNvSpPr>
-            <a:spLocks noGrp="1"/>
-          </p:cNvSpPr>
-          <p:nvPr>
-            <p:ph type="sldNum" sz="quarter" idx="12"/>
-          </p:nvPr>
-        </p:nvSpPr>
-        <p:spPr/>
-        <p:txBody>
-          <a:bodyPr/>
-          <a:lstStyle/>
-          <a:p>
-            <a:fld id="{1A1C1EDE-16B0-4FB0-A57E-F5C4163E195F}" type="slidenum">
-              <a:rPr lang="fr-FR" smtClean="0"/>
-              <a:t>1</a:t>
-            </a:fld>
-            <a:endParaRPr lang="fr-FR"/>
-          </a:p>
-        </p:txBody>
-      </p:sp>
     </p:spTree>
     <p:extLst>
       <p:ext uri="{BB962C8B-B14F-4D97-AF65-F5344CB8AC3E}">
@@ -4582,6 +4589,9 @@
   <p:clrMapOvr>
     <a:masterClrMapping/>
   </p:clrMapOvr>
+  <p:transition spd="slow">
+    <p:cover/>
+  </p:transition>
 </p:sld>
 </file>
 
@@ -4626,7 +4636,7 @@
             <a:pPr algn="ctr"/>
             <a:r>
               <a:rPr lang="fr-FR" dirty="0"/>
-              <a:t>Réalisation</a:t>
+              <a:t>Intégration</a:t>
             </a:r>
           </a:p>
         </p:txBody>
@@ -5109,7 +5119,55 @@
           <a:prstGeom prst="straightConnector1">
             <a:avLst/>
           </a:prstGeom>
-          <a:ln w="34925">
+          <a:ln w="28575" cap="flat" cmpd="sng" algn="ctr">
+            <a:solidFill>
+              <a:schemeClr val="accent1"/>
+            </a:solidFill>
+            <a:prstDash val="solid"/>
+            <a:round/>
+            <a:headEnd type="arrow" w="med" len="med"/>
+            <a:tailEnd type="arrow" w="med" len="med"/>
+          </a:ln>
+        </p:spPr>
+        <p:style>
+          <a:lnRef idx="0">
+            <a:scrgbClr r="0" g="0" b="0"/>
+          </a:lnRef>
+          <a:fillRef idx="0">
+            <a:scrgbClr r="0" g="0" b="0"/>
+          </a:fillRef>
+          <a:effectRef idx="0">
+            <a:scrgbClr r="0" g="0" b="0"/>
+          </a:effectRef>
+          <a:fontRef idx="minor">
+            <a:schemeClr val="tx1"/>
+          </a:fontRef>
+        </p:style>
+      </p:cxnSp>
+      <p:cxnSp>
+        <p:nvCxnSpPr>
+          <p:cNvPr id="15" name="Connecteur droit avec flèche 14">
+            <a:extLst>
+              <a:ext uri="{FF2B5EF4-FFF2-40B4-BE49-F238E27FC236}">
+                <a16:creationId xmlns:a16="http://schemas.microsoft.com/office/drawing/2014/main" id="{1570CE0E-AADC-493B-A0F4-E10BB7A7314E}"/>
+              </a:ext>
+            </a:extLst>
+          </p:cNvPr>
+          <p:cNvCxnSpPr>
+            <a:stCxn id="5" idx="2"/>
+            <a:endCxn id="9" idx="0"/>
+          </p:cNvCxnSpPr>
+          <p:nvPr/>
+        </p:nvCxnSpPr>
+        <p:spPr>
+          <a:xfrm>
+            <a:off x="6096000" y="3878580"/>
+            <a:ext cx="929641" cy="800100"/>
+          </a:xfrm>
+          <a:prstGeom prst="straightConnector1">
+            <a:avLst/>
+          </a:prstGeom>
+          <a:ln w="38100">
             <a:tailEnd type="triangle"/>
           </a:ln>
         </p:spPr>
@@ -5128,48 +5186,6 @@
           </a:fontRef>
         </p:style>
       </p:cxnSp>
-      <p:cxnSp>
-        <p:nvCxnSpPr>
-          <p:cNvPr id="15" name="Connecteur droit avec flèche 14">
-            <a:extLst>
-              <a:ext uri="{FF2B5EF4-FFF2-40B4-BE49-F238E27FC236}">
-                <a16:creationId xmlns:a16="http://schemas.microsoft.com/office/drawing/2014/main" id="{1570CE0E-AADC-493B-A0F4-E10BB7A7314E}"/>
-              </a:ext>
-            </a:extLst>
-          </p:cNvPr>
-          <p:cNvCxnSpPr>
-            <a:stCxn id="5" idx="2"/>
-            <a:endCxn id="9" idx="0"/>
-          </p:cNvCxnSpPr>
-          <p:nvPr/>
-        </p:nvCxnSpPr>
-        <p:spPr>
-          <a:xfrm>
-            <a:off x="6096000" y="3878580"/>
-            <a:ext cx="929641" cy="800100"/>
-          </a:xfrm>
-          <a:prstGeom prst="straightConnector1">
-            <a:avLst/>
-          </a:prstGeom>
-          <a:ln w="38100">
-            <a:tailEnd type="triangle"/>
-          </a:ln>
-        </p:spPr>
-        <p:style>
-          <a:lnRef idx="1">
-            <a:schemeClr val="accent1"/>
-          </a:lnRef>
-          <a:fillRef idx="0">
-            <a:schemeClr val="accent1"/>
-          </a:fillRef>
-          <a:effectRef idx="0">
-            <a:schemeClr val="accent1"/>
-          </a:effectRef>
-          <a:fontRef idx="minor">
-            <a:schemeClr val="tx1"/>
-          </a:fontRef>
-        </p:style>
-      </p:cxnSp>
       <p:sp>
         <p:nvSpPr>
           <p:cNvPr id="24" name="ZoneTexte 23">
@@ -5200,7 +5216,7 @@
           <a:p>
             <a:r>
               <a:rPr lang="fr-FR" sz="1100" dirty="0"/>
-              <a:t>UART : TX-&gt; RX</a:t>
+              <a:t>UART : RX-&gt; TX</a:t>
             </a:r>
           </a:p>
         </p:txBody>
@@ -5392,12 +5408,23 @@
   <p:clrMapOvr>
     <a:masterClrMapping/>
   </p:clrMapOvr>
+  <p:transition spd="slow">
+    <p:cover/>
+  </p:transition>
 </p:sld>
 </file>
 
 <file path=ppt/slides/slide11.xml><?xml version="1.0" encoding="utf-8"?>
 <p:sld xmlns:a="http://schemas.openxmlformats.org/drawingml/2006/main" xmlns:r="http://schemas.openxmlformats.org/officeDocument/2006/relationships" xmlns:p="http://schemas.openxmlformats.org/presentationml/2006/main">
   <p:cSld>
+    <p:bg>
+      <p:bgPr>
+        <a:solidFill>
+          <a:schemeClr val="bg2"/>
+        </a:solidFill>
+        <a:effectLst/>
+      </p:bgPr>
+    </p:bg>
     <p:spTree>
       <p:nvGrpSpPr>
         <p:cNvPr id="1" name=""/>
@@ -5417,7 +5444,7 @@
           <p:cNvPr id="2" name="Titre 1">
             <a:extLst>
               <a:ext uri="{FF2B5EF4-FFF2-40B4-BE49-F238E27FC236}">
-                <a16:creationId xmlns:a16="http://schemas.microsoft.com/office/drawing/2014/main" id="{CE8CBCCC-045B-45F7-8501-4F534F48C9C4}"/>
+                <a16:creationId xmlns:a16="http://schemas.microsoft.com/office/drawing/2014/main" id="{C8BBC548-3911-4C64-B254-3BB89B45E801}"/>
               </a:ext>
             </a:extLst>
           </p:cNvPr>
@@ -5436,33 +5463,8 @@
             <a:pPr algn="ctr"/>
             <a:r>
               <a:rPr lang="fr-FR" dirty="0"/>
-              <a:t>Principe de fonctionnement</a:t>
-            </a:r>
-          </a:p>
-        </p:txBody>
-      </p:sp>
-      <p:sp>
-        <p:nvSpPr>
-          <p:cNvPr id="3" name="Espace réservé du contenu 2">
-            <a:extLst>
-              <a:ext uri="{FF2B5EF4-FFF2-40B4-BE49-F238E27FC236}">
-                <a16:creationId xmlns:a16="http://schemas.microsoft.com/office/drawing/2014/main" id="{4DD56B28-EFA1-4257-A4C0-0A79FCA33D9C}"/>
-              </a:ext>
-            </a:extLst>
-          </p:cNvPr>
-          <p:cNvSpPr>
-            <a:spLocks noGrp="1"/>
-          </p:cNvSpPr>
-          <p:nvPr>
-            <p:ph idx="1"/>
-          </p:nvPr>
-        </p:nvSpPr>
-        <p:spPr/>
-        <p:txBody>
-          <a:bodyPr/>
-          <a:lstStyle/>
-          <a:p>
-            <a:endParaRPr lang="fr-FR" dirty="0"/>
+              <a:t>Conclusion</a:t>
+            </a:r>
           </a:p>
         </p:txBody>
       </p:sp>
@@ -5471,7 +5473,7 @@
           <p:cNvPr id="4" name="Espace réservé du numéro de diapositive 3">
             <a:extLst>
               <a:ext uri="{FF2B5EF4-FFF2-40B4-BE49-F238E27FC236}">
-                <a16:creationId xmlns:a16="http://schemas.microsoft.com/office/drawing/2014/main" id="{9719E413-4FB5-43B7-BB06-1283D0D0DD97}"/>
+                <a16:creationId xmlns:a16="http://schemas.microsoft.com/office/drawing/2014/main" id="{9E53F0D2-33F6-4891-BF33-64B7DCA2B673}"/>
               </a:ext>
             </a:extLst>
           </p:cNvPr>
@@ -5490,130 +5492,6 @@
             <a:fld id="{1A1C1EDE-16B0-4FB0-A57E-F5C4163E195F}" type="slidenum">
               <a:rPr lang="fr-FR" smtClean="0"/>
               <a:t>11</a:t>
-            </a:fld>
-            <a:endParaRPr lang="fr-FR"/>
-          </a:p>
-        </p:txBody>
-      </p:sp>
-      <p:pic>
-        <p:nvPicPr>
-          <p:cNvPr id="6" name="Image 5" descr="Une image contenant objet&#10;&#10;Description générée avec un niveau de confiance élevé">
-            <a:extLst>
-              <a:ext uri="{FF2B5EF4-FFF2-40B4-BE49-F238E27FC236}">
-                <a16:creationId xmlns:a16="http://schemas.microsoft.com/office/drawing/2014/main" id="{708EB0FD-A019-4DD4-AB1B-ADE22C69E70C}"/>
-              </a:ext>
-            </a:extLst>
-          </p:cNvPr>
-          <p:cNvPicPr>
-            <a:picLocks noChangeAspect="1"/>
-          </p:cNvPicPr>
-          <p:nvPr/>
-        </p:nvPicPr>
-        <p:blipFill>
-          <a:blip r:embed="rId2">
-            <a:extLst>
-              <a:ext uri="{28A0092B-C50C-407E-A947-70E740481C1C}">
-                <a14:useLocalDpi xmlns:a14="http://schemas.microsoft.com/office/drawing/2010/main" val="0"/>
-              </a:ext>
-            </a:extLst>
-          </a:blip>
-          <a:stretch>
-            <a:fillRect/>
-          </a:stretch>
-        </p:blipFill>
-        <p:spPr>
-          <a:xfrm>
-            <a:off x="1122972" y="5452463"/>
-            <a:ext cx="2377978" cy="1058473"/>
-          </a:xfrm>
-          <a:prstGeom prst="rect">
-            <a:avLst/>
-          </a:prstGeom>
-        </p:spPr>
-      </p:pic>
-    </p:spTree>
-    <p:extLst>
-      <p:ext uri="{BB962C8B-B14F-4D97-AF65-F5344CB8AC3E}">
-        <p14:creationId xmlns:p14="http://schemas.microsoft.com/office/powerpoint/2010/main" val="3976723435"/>
-      </p:ext>
-    </p:extLst>
-  </p:cSld>
-  <p:clrMapOvr>
-    <a:masterClrMapping/>
-  </p:clrMapOvr>
-</p:sld>
-</file>
-
-<file path=ppt/slides/slide12.xml><?xml version="1.0" encoding="utf-8"?>
-<p:sld xmlns:a="http://schemas.openxmlformats.org/drawingml/2006/main" xmlns:r="http://schemas.openxmlformats.org/officeDocument/2006/relationships" xmlns:p="http://schemas.openxmlformats.org/presentationml/2006/main">
-  <p:cSld>
-    <p:spTree>
-      <p:nvGrpSpPr>
-        <p:cNvPr id="1" name=""/>
-        <p:cNvGrpSpPr/>
-        <p:nvPr/>
-      </p:nvGrpSpPr>
-      <p:grpSpPr>
-        <a:xfrm>
-          <a:off x="0" y="0"/>
-          <a:ext cx="0" cy="0"/>
-          <a:chOff x="0" y="0"/>
-          <a:chExt cx="0" cy="0"/>
-        </a:xfrm>
-      </p:grpSpPr>
-      <p:sp>
-        <p:nvSpPr>
-          <p:cNvPr id="2" name="Titre 1">
-            <a:extLst>
-              <a:ext uri="{FF2B5EF4-FFF2-40B4-BE49-F238E27FC236}">
-                <a16:creationId xmlns:a16="http://schemas.microsoft.com/office/drawing/2014/main" id="{C8BBC548-3911-4C64-B254-3BB89B45E801}"/>
-              </a:ext>
-            </a:extLst>
-          </p:cNvPr>
-          <p:cNvSpPr>
-            <a:spLocks noGrp="1"/>
-          </p:cNvSpPr>
-          <p:nvPr>
-            <p:ph type="title"/>
-          </p:nvPr>
-        </p:nvSpPr>
-        <p:spPr/>
-        <p:txBody>
-          <a:bodyPr/>
-          <a:lstStyle/>
-          <a:p>
-            <a:pPr algn="ctr"/>
-            <a:r>
-              <a:rPr lang="fr-FR" dirty="0"/>
-              <a:t>Moyen utilisé</a:t>
-            </a:r>
-          </a:p>
-        </p:txBody>
-      </p:sp>
-      <p:sp>
-        <p:nvSpPr>
-          <p:cNvPr id="4" name="Espace réservé du numéro de diapositive 3">
-            <a:extLst>
-              <a:ext uri="{FF2B5EF4-FFF2-40B4-BE49-F238E27FC236}">
-                <a16:creationId xmlns:a16="http://schemas.microsoft.com/office/drawing/2014/main" id="{9E53F0D2-33F6-4891-BF33-64B7DCA2B673}"/>
-              </a:ext>
-            </a:extLst>
-          </p:cNvPr>
-          <p:cNvSpPr>
-            <a:spLocks noGrp="1"/>
-          </p:cNvSpPr>
-          <p:nvPr>
-            <p:ph type="sldNum" sz="quarter" idx="12"/>
-          </p:nvPr>
-        </p:nvSpPr>
-        <p:spPr/>
-        <p:txBody>
-          <a:bodyPr/>
-          <a:lstStyle/>
-          <a:p>
-            <a:fld id="{1A1C1EDE-16B0-4FB0-A57E-F5C4163E195F}" type="slidenum">
-              <a:rPr lang="fr-FR" smtClean="0"/>
-              <a:t>12</a:t>
             </a:fld>
             <a:endParaRPr lang="fr-FR"/>
           </a:p>
@@ -5751,19 +5629,17 @@
       </p:pic>
       <p:pic>
         <p:nvPicPr>
-          <p:cNvPr id="5126" name="Picture 6" descr="Résultat de recherche d'images pour &quot;open classroom png&quot;">
-            <a:extLst>
-              <a:ext uri="{FF2B5EF4-FFF2-40B4-BE49-F238E27FC236}">
-                <a16:creationId xmlns:a16="http://schemas.microsoft.com/office/drawing/2014/main" id="{2115A889-83AF-4E8E-A067-62D5FA699610}"/>
+          <p:cNvPr id="5128" name="Picture 8" descr="Résultat de recherche d'images pour &quot;python&quot;">
+            <a:extLst>
+              <a:ext uri="{FF2B5EF4-FFF2-40B4-BE49-F238E27FC236}">
+                <a16:creationId xmlns:a16="http://schemas.microsoft.com/office/drawing/2014/main" id="{0D7EB914-C9D9-4A5D-A35E-D1771C1CE5F2}"/>
               </a:ext>
             </a:extLst>
           </p:cNvPr>
           <p:cNvPicPr>
-            <a:picLocks noGrp="1" noChangeAspect="1" noChangeArrowheads="1"/>
+            <a:picLocks noChangeAspect="1" noChangeArrowheads="1"/>
           </p:cNvPicPr>
-          <p:nvPr>
-            <p:ph idx="1"/>
-          </p:nvPr>
+          <p:nvPr/>
         </p:nvPicPr>
         <p:blipFill>
           <a:blip r:embed="rId5">
@@ -5780,8 +5656,8 @@
         </p:blipFill>
         <p:spPr bwMode="auto">
           <a:xfrm>
-            <a:off x="8599478" y="2189727"/>
-            <a:ext cx="1671404" cy="1181099"/>
+            <a:off x="8766114" y="3549269"/>
+            <a:ext cx="1413244" cy="1413244"/>
           </a:xfrm>
           <a:prstGeom prst="rect">
             <a:avLst/>
@@ -5800,10 +5676,10 @@
       </p:pic>
       <p:pic>
         <p:nvPicPr>
-          <p:cNvPr id="5128" name="Picture 8" descr="Résultat de recherche d'images pour &quot;python&quot;">
-            <a:extLst>
-              <a:ext uri="{FF2B5EF4-FFF2-40B4-BE49-F238E27FC236}">
-                <a16:creationId xmlns:a16="http://schemas.microsoft.com/office/drawing/2014/main" id="{0D7EB914-C9D9-4A5D-A35E-D1771C1CE5F2}"/>
+          <p:cNvPr id="5130" name="Picture 10" descr="Résultat de recherche d'images pour &quot;dagoma png&quot;">
+            <a:extLst>
+              <a:ext uri="{FF2B5EF4-FFF2-40B4-BE49-F238E27FC236}">
+                <a16:creationId xmlns:a16="http://schemas.microsoft.com/office/drawing/2014/main" id="{267F239E-D152-4031-B983-19434D987E8A}"/>
               </a:ext>
             </a:extLst>
           </p:cNvPr>
@@ -5827,8 +5703,8 @@
         </p:blipFill>
         <p:spPr bwMode="auto">
           <a:xfrm>
-            <a:off x="8766114" y="3549269"/>
-            <a:ext cx="1413244" cy="1413244"/>
+            <a:off x="1547762" y="4065224"/>
+            <a:ext cx="2719264" cy="381334"/>
           </a:xfrm>
           <a:prstGeom prst="rect">
             <a:avLst/>
@@ -5847,10 +5723,10 @@
       </p:pic>
       <p:pic>
         <p:nvPicPr>
-          <p:cNvPr id="5130" name="Picture 10" descr="Résultat de recherche d'images pour &quot;dagoma png&quot;">
-            <a:extLst>
-              <a:ext uri="{FF2B5EF4-FFF2-40B4-BE49-F238E27FC236}">
-                <a16:creationId xmlns:a16="http://schemas.microsoft.com/office/drawing/2014/main" id="{267F239E-D152-4031-B983-19434D987E8A}"/>
+          <p:cNvPr id="5132" name="Picture 12" descr="Résultat de recherche d'images pour &quot;mobaxterm png&quot;">
+            <a:extLst>
+              <a:ext uri="{FF2B5EF4-FFF2-40B4-BE49-F238E27FC236}">
+                <a16:creationId xmlns:a16="http://schemas.microsoft.com/office/drawing/2014/main" id="{48317B92-74BB-46AC-9103-0BEFA4E513B4}"/>
               </a:ext>
             </a:extLst>
           </p:cNvPr>
@@ -5874,8 +5750,8 @@
         </p:blipFill>
         <p:spPr bwMode="auto">
           <a:xfrm>
-            <a:off x="1547762" y="4065224"/>
-            <a:ext cx="2719264" cy="381334"/>
+            <a:off x="5671927" y="3670020"/>
+            <a:ext cx="1339134" cy="1171742"/>
           </a:xfrm>
           <a:prstGeom prst="rect">
             <a:avLst/>
@@ -5894,10 +5770,10 @@
       </p:pic>
       <p:pic>
         <p:nvPicPr>
-          <p:cNvPr id="5132" name="Picture 12" descr="Résultat de recherche d'images pour &quot;mobaxterm png&quot;">
-            <a:extLst>
-              <a:ext uri="{FF2B5EF4-FFF2-40B4-BE49-F238E27FC236}">
-                <a16:creationId xmlns:a16="http://schemas.microsoft.com/office/drawing/2014/main" id="{48317B92-74BB-46AC-9103-0BEFA4E513B4}"/>
+          <p:cNvPr id="13" name="Picture 4" descr="Résultat de recherche d'images pour &quot;raspberry pi3 logo png&quot;">
+            <a:extLst>
+              <a:ext uri="{FF2B5EF4-FFF2-40B4-BE49-F238E27FC236}">
+                <a16:creationId xmlns:a16="http://schemas.microsoft.com/office/drawing/2014/main" id="{A8A55B35-4408-4FA2-B082-3DEB13307DB4}"/>
               </a:ext>
             </a:extLst>
           </p:cNvPr>
@@ -5921,8 +5797,8 @@
         </p:blipFill>
         <p:spPr bwMode="auto">
           <a:xfrm>
-            <a:off x="5671927" y="3670020"/>
-            <a:ext cx="1339134" cy="1171742"/>
+            <a:off x="8766114" y="2228760"/>
+            <a:ext cx="1348603" cy="1200240"/>
           </a:xfrm>
           <a:prstGeom prst="rect">
             <a:avLst/>
@@ -5949,6 +5825,9 @@
   <p:clrMapOvr>
     <a:masterClrMapping/>
   </p:clrMapOvr>
+  <p:transition spd="slow">
+    <p:cover/>
+  </p:transition>
 </p:sld>
 </file>
 
@@ -6027,19 +5906,31 @@
           <a:p>
             <a:r>
               <a:rPr lang="fr-FR" dirty="0"/>
-              <a:t>Conception</a:t>
+              <a:t>Concept</a:t>
             </a:r>
           </a:p>
           <a:p>
             <a:r>
               <a:rPr lang="fr-FR" dirty="0"/>
-              <a:t>Réalisation </a:t>
+              <a:t>Ordinateur embarqué </a:t>
             </a:r>
           </a:p>
           <a:p>
             <a:r>
               <a:rPr lang="fr-FR" dirty="0"/>
-              <a:t>Principe de fonctionnement</a:t>
+              <a:t>Détecteur de chocs</a:t>
+            </a:r>
+          </a:p>
+          <a:p>
+            <a:r>
+              <a:rPr lang="fr-FR" dirty="0"/>
+              <a:t>GPS</a:t>
+            </a:r>
+          </a:p>
+          <a:p>
+            <a:r>
+              <a:rPr lang="fr-FR" dirty="0"/>
+              <a:t>Transmission des données</a:t>
             </a:r>
           </a:p>
           <a:p>
@@ -6125,6 +6016,9 @@
   <p:clrMapOvr>
     <a:masterClrMapping/>
   </p:clrMapOvr>
+  <p:transition spd="slow">
+    <p:cover/>
+  </p:transition>
 </p:sld>
 </file>
 
@@ -6297,6 +6191,9 @@
   <p:clrMapOvr>
     <a:masterClrMapping/>
   </p:clrMapOvr>
+  <p:transition spd="slow">
+    <p:cover/>
+  </p:transition>
 </p:sld>
 </file>
 
@@ -6346,7 +6243,7 @@
             <a:pPr algn="ctr"/>
             <a:r>
               <a:rPr lang="fr-FR" dirty="0"/>
-              <a:t>Conception</a:t>
+              <a:t>Concept</a:t>
             </a:r>
           </a:p>
         </p:txBody>
@@ -6424,7 +6321,7 @@
             <a:pPr algn="ctr"/>
             <a:r>
               <a:rPr lang="fr-FR" dirty="0"/>
-              <a:t>µC</a:t>
+              <a:t>Processeur</a:t>
             </a:r>
           </a:p>
         </p:txBody>
@@ -6936,6 +6833,9 @@
   <p:clrMapOvr>
     <a:masterClrMapping/>
   </p:clrMapOvr>
+  <p:transition spd="slow">
+    <p:cover/>
+  </p:transition>
 </p:sld>
 </file>
 
@@ -6961,7 +6861,7 @@
           <p:cNvPr id="2" name="Titre 1">
             <a:extLst>
               <a:ext uri="{FF2B5EF4-FFF2-40B4-BE49-F238E27FC236}">
-                <a16:creationId xmlns:a16="http://schemas.microsoft.com/office/drawing/2014/main" id="{C2DEF80B-3054-4BD0-A62F-AB0015EE2FC4}"/>
+                <a16:creationId xmlns:a16="http://schemas.microsoft.com/office/drawing/2014/main" id="{D5BBFE0A-2FD0-4F52-8063-1ADBEB1E6C07}"/>
               </a:ext>
             </a:extLst>
           </p:cNvPr>
@@ -6980,7 +6880,62 @@
             <a:pPr algn="ctr"/>
             <a:r>
               <a:rPr lang="fr-FR" dirty="0"/>
-              <a:t>Réalisation</a:t>
+              <a:t>Ordinateur embarqué</a:t>
+            </a:r>
+          </a:p>
+        </p:txBody>
+      </p:sp>
+      <p:sp>
+        <p:nvSpPr>
+          <p:cNvPr id="3" name="Espace réservé du contenu 2">
+            <a:extLst>
+              <a:ext uri="{FF2B5EF4-FFF2-40B4-BE49-F238E27FC236}">
+                <a16:creationId xmlns:a16="http://schemas.microsoft.com/office/drawing/2014/main" id="{C59EBA1E-822A-45BC-A7AC-1473482364EB}"/>
+              </a:ext>
+            </a:extLst>
+          </p:cNvPr>
+          <p:cNvSpPr>
+            <a:spLocks noGrp="1"/>
+          </p:cNvSpPr>
+          <p:nvPr>
+            <p:ph idx="1"/>
+          </p:nvPr>
+        </p:nvSpPr>
+        <p:spPr>
+          <a:xfrm>
+            <a:off x="3306910" y="2423188"/>
+            <a:ext cx="4572000" cy="1701800"/>
+          </a:xfrm>
+        </p:spPr>
+        <p:txBody>
+          <a:bodyPr>
+            <a:normAutofit/>
+          </a:bodyPr>
+          <a:lstStyle/>
+          <a:p>
+            <a:r>
+              <a:rPr lang="fr-FR" dirty="0"/>
+              <a:t>Raspberry PI3 </a:t>
+            </a:r>
+          </a:p>
+          <a:p>
+            <a:r>
+              <a:rPr lang="fr-FR" dirty="0"/>
+              <a:t>OS : Raspbian</a:t>
+            </a:r>
+          </a:p>
+          <a:p>
+            <a:r>
+              <a:rPr lang="fr-FR" dirty="0"/>
+              <a:t>Processeur : ARM Quad </a:t>
+            </a:r>
+            <a:r>
+              <a:rPr lang="fr-FR" dirty="0" err="1"/>
+              <a:t>Core</a:t>
+            </a:r>
+            <a:r>
+              <a:rPr lang="fr-FR" dirty="0"/>
+              <a:t> 1,2 GHz</a:t>
             </a:r>
           </a:p>
         </p:txBody>
@@ -6990,7 +6945,7 @@
           <p:cNvPr id="4" name="Espace réservé du numéro de diapositive 3">
             <a:extLst>
               <a:ext uri="{FF2B5EF4-FFF2-40B4-BE49-F238E27FC236}">
-                <a16:creationId xmlns:a16="http://schemas.microsoft.com/office/drawing/2014/main" id="{3CC10538-3DBB-4D4A-A4B3-892F4D77279A}"/>
+                <a16:creationId xmlns:a16="http://schemas.microsoft.com/office/drawing/2014/main" id="{8EB27CD3-1506-4B71-B884-3D34C281661F}"/>
               </a:ext>
             </a:extLst>
           </p:cNvPr>
@@ -7016,10 +6971,10 @@
       </p:sp>
       <p:pic>
         <p:nvPicPr>
-          <p:cNvPr id="5" name="Image 4" descr="Une image contenant objet&#10;&#10;Description générée avec un niveau de confiance élevé">
-            <a:extLst>
-              <a:ext uri="{FF2B5EF4-FFF2-40B4-BE49-F238E27FC236}">
-                <a16:creationId xmlns:a16="http://schemas.microsoft.com/office/drawing/2014/main" id="{E79FBD38-0DF5-4403-94BA-DC69E08CD592}"/>
+          <p:cNvPr id="6" name="Image 5" descr="Une image contenant objet&#10;&#10;Description générée avec un niveau de confiance élevé">
+            <a:extLst>
+              <a:ext uri="{FF2B5EF4-FFF2-40B4-BE49-F238E27FC236}">
+                <a16:creationId xmlns:a16="http://schemas.microsoft.com/office/drawing/2014/main" id="{E8B8E3BB-4713-401E-B674-8989F50E9CBF}"/>
               </a:ext>
             </a:extLst>
           </p:cNvPr>
@@ -7050,74 +7005,12 @@
           </a:prstGeom>
         </p:spPr>
       </p:pic>
-      <p:sp>
-        <p:nvSpPr>
-          <p:cNvPr id="7" name="Espace réservé du contenu 6">
-            <a:extLst>
-              <a:ext uri="{FF2B5EF4-FFF2-40B4-BE49-F238E27FC236}">
-                <a16:creationId xmlns:a16="http://schemas.microsoft.com/office/drawing/2014/main" id="{5470BC20-7311-4A9D-BA25-C5F2A0C8BF8C}"/>
-              </a:ext>
-            </a:extLst>
-          </p:cNvPr>
-          <p:cNvSpPr>
-            <a:spLocks noGrp="1"/>
-          </p:cNvSpPr>
-          <p:nvPr>
-            <p:ph idx="1"/>
-          </p:nvPr>
-        </p:nvSpPr>
-        <p:spPr>
-          <a:xfrm>
-            <a:off x="1371600" y="2021382"/>
-            <a:ext cx="9601200" cy="3581400"/>
-          </a:xfrm>
-        </p:spPr>
-        <p:txBody>
-          <a:bodyPr/>
-          <a:lstStyle/>
-          <a:p>
-            <a:r>
-              <a:rPr lang="fr-FR" dirty="0"/>
-              <a:t>Capteur de choc : MPU6050 (ITG) </a:t>
-            </a:r>
-          </a:p>
-          <a:p>
-            <a:endParaRPr lang="fr-FR" dirty="0"/>
-          </a:p>
-          <a:p>
-            <a:endParaRPr lang="fr-FR" dirty="0"/>
-          </a:p>
-          <a:p>
-            <a:endParaRPr lang="fr-FR" dirty="0"/>
-          </a:p>
-          <a:p>
-            <a:endParaRPr lang="fr-FR" dirty="0"/>
-          </a:p>
-          <a:p>
-            <a:endParaRPr lang="fr-FR" dirty="0"/>
-          </a:p>
-          <a:p>
-            <a:pPr algn="ctr"/>
-            <a:r>
-              <a:rPr lang="fr-FR" dirty="0"/>
-              <a:t>Communication : I2C</a:t>
-            </a:r>
-          </a:p>
-          <a:p>
-            <a:pPr algn="ctr"/>
-            <a:r>
-              <a:rPr lang="fr-FR" dirty="0"/>
-              <a:t>IMU 9 axes : accéléromètre, gyroscope, magnétomètre</a:t>
-            </a:r>
-          </a:p>
-        </p:txBody>
-      </p:sp>
       <p:pic>
         <p:nvPicPr>
-          <p:cNvPr id="1028" name="Picture 4" descr="Résultat de recherche d'images pour &quot;mpu6050 ITG&quot;">
-            <a:extLst>
-              <a:ext uri="{FF2B5EF4-FFF2-40B4-BE49-F238E27FC236}">
-                <a16:creationId xmlns:a16="http://schemas.microsoft.com/office/drawing/2014/main" id="{57A204C5-46CF-4DC6-B9EE-FE7EE8D4A242}"/>
+          <p:cNvPr id="1026" name="Picture 2" descr="Résultat de recherche d'images pour &quot;orienté objet&quot;">
+            <a:extLst>
+              <a:ext uri="{FF2B5EF4-FFF2-40B4-BE49-F238E27FC236}">
+                <a16:creationId xmlns:a16="http://schemas.microsoft.com/office/drawing/2014/main" id="{8E5B7C6F-B1B0-4693-AE6D-E8A707A56407}"/>
               </a:ext>
             </a:extLst>
           </p:cNvPr>
@@ -7134,12 +7027,8 @@
                   <a14:imgLayer r:embed="rId4">
                     <a14:imgEffect>
                       <a14:backgroundRemoval t="10000" b="90000" l="10000" r="90000">
-                        <a14:foregroundMark x1="46000" y1="23000" x2="46000" y2="23000"/>
-                        <a14:foregroundMark x1="78750" y1="55375" x2="78750" y2="55375"/>
-                        <a14:foregroundMark x1="71375" y1="40000" x2="71375" y2="40000"/>
-                        <a14:foregroundMark x1="46625" y1="23000" x2="46625" y2="23000"/>
-                        <a14:foregroundMark x1="63875" y1="33000" x2="63875" y2="33000"/>
-                        <a14:foregroundMark x1="20250" y1="36000" x2="20250" y2="36000"/>
+                        <a14:foregroundMark x1="30167" y1="42571" x2="30167" y2="42571"/>
+                        <a14:foregroundMark x1="46500" y1="39143" x2="46500" y2="39143"/>
                       </a14:backgroundRemoval>
                     </a14:imgEffect>
                   </a14:imgLayer>
@@ -7157,8 +7046,8 @@
         </p:blipFill>
         <p:spPr bwMode="auto">
           <a:xfrm>
-            <a:off x="4983480" y="2461261"/>
-            <a:ext cx="2225040" cy="2225040"/>
+            <a:off x="6427114" y="4376229"/>
+            <a:ext cx="2651236" cy="1546555"/>
           </a:xfrm>
           <a:prstGeom prst="rect">
             <a:avLst/>
@@ -7175,16 +7064,113 @@
           </a:extLst>
         </p:spPr>
       </p:pic>
+      <p:pic>
+        <p:nvPicPr>
+          <p:cNvPr id="8" name="Picture 8" descr="Résultat de recherche d'images pour &quot;python&quot;">
+            <a:extLst>
+              <a:ext uri="{FF2B5EF4-FFF2-40B4-BE49-F238E27FC236}">
+                <a16:creationId xmlns:a16="http://schemas.microsoft.com/office/drawing/2014/main" id="{3E77CD00-CA23-40D7-BEAF-A824F1B485B0}"/>
+              </a:ext>
+            </a:extLst>
+          </p:cNvPr>
+          <p:cNvPicPr>
+            <a:picLocks noChangeAspect="1" noChangeArrowheads="1"/>
+          </p:cNvPicPr>
+          <p:nvPr/>
+        </p:nvPicPr>
+        <p:blipFill>
+          <a:blip r:embed="rId5">
+            <a:extLst>
+              <a:ext uri="{28A0092B-C50C-407E-A947-70E740481C1C}">
+                <a14:useLocalDpi xmlns:a14="http://schemas.microsoft.com/office/drawing/2010/main" val="0"/>
+              </a:ext>
+            </a:extLst>
+          </a:blip>
+          <a:srcRect/>
+          <a:stretch>
+            <a:fillRect/>
+          </a:stretch>
+        </p:blipFill>
+        <p:spPr bwMode="auto">
+          <a:xfrm>
+            <a:off x="4886288" y="4203700"/>
+            <a:ext cx="1640372" cy="1640372"/>
+          </a:xfrm>
+          <a:prstGeom prst="rect">
+            <a:avLst/>
+          </a:prstGeom>
+          <a:noFill/>
+          <a:extLst>
+            <a:ext uri="{909E8E84-426E-40DD-AFC4-6F175D3DCCD1}">
+              <a14:hiddenFill xmlns:a14="http://schemas.microsoft.com/office/drawing/2010/main">
+                <a:solidFill>
+                  <a:srgbClr val="FFFFFF"/>
+                </a:solidFill>
+              </a14:hiddenFill>
+            </a:ext>
+          </a:extLst>
+        </p:spPr>
+      </p:pic>
+      <p:pic>
+        <p:nvPicPr>
+          <p:cNvPr id="1028" name="Picture 4" descr="Résultat de recherche d'images pour &quot;raspberry pi3 logo png&quot;">
+            <a:extLst>
+              <a:ext uri="{FF2B5EF4-FFF2-40B4-BE49-F238E27FC236}">
+                <a16:creationId xmlns:a16="http://schemas.microsoft.com/office/drawing/2014/main" id="{13B20821-9349-4890-B2AF-899123B346DA}"/>
+              </a:ext>
+            </a:extLst>
+          </p:cNvPr>
+          <p:cNvPicPr>
+            <a:picLocks noChangeAspect="1" noChangeArrowheads="1"/>
+          </p:cNvPicPr>
+          <p:nvPr/>
+        </p:nvPicPr>
+        <p:blipFill>
+          <a:blip r:embed="rId6">
+            <a:extLst>
+              <a:ext uri="{28A0092B-C50C-407E-A947-70E740481C1C}">
+                <a14:useLocalDpi xmlns:a14="http://schemas.microsoft.com/office/drawing/2010/main" val="0"/>
+              </a:ext>
+            </a:extLst>
+          </a:blip>
+          <a:srcRect/>
+          <a:stretch>
+            <a:fillRect/>
+          </a:stretch>
+        </p:blipFill>
+        <p:spPr bwMode="auto">
+          <a:xfrm>
+            <a:off x="1122972" y="2090690"/>
+            <a:ext cx="1980738" cy="1762832"/>
+          </a:xfrm>
+          <a:prstGeom prst="rect">
+            <a:avLst/>
+          </a:prstGeom>
+          <a:noFill/>
+          <a:extLst>
+            <a:ext uri="{909E8E84-426E-40DD-AFC4-6F175D3DCCD1}">
+              <a14:hiddenFill xmlns:a14="http://schemas.microsoft.com/office/drawing/2010/main">
+                <a:solidFill>
+                  <a:srgbClr val="FFFFFF"/>
+                </a:solidFill>
+              </a14:hiddenFill>
+            </a:ext>
+          </a:extLst>
+        </p:spPr>
+      </p:pic>
     </p:spTree>
     <p:extLst>
       <p:ext uri="{BB962C8B-B14F-4D97-AF65-F5344CB8AC3E}">
-        <p14:creationId xmlns:p14="http://schemas.microsoft.com/office/powerpoint/2010/main" val="3946947496"/>
+        <p14:creationId xmlns:p14="http://schemas.microsoft.com/office/powerpoint/2010/main" val="2849199311"/>
       </p:ext>
     </p:extLst>
   </p:cSld>
   <p:clrMapOvr>
     <a:masterClrMapping/>
   </p:clrMapOvr>
+  <p:transition spd="slow">
+    <p:cover/>
+  </p:transition>
 </p:sld>
 </file>
 
@@ -7207,10 +7193,10 @@
       </p:grpSpPr>
       <p:sp>
         <p:nvSpPr>
-          <p:cNvPr id="2" name="Titre 1">
-            <a:extLst>
-              <a:ext uri="{FF2B5EF4-FFF2-40B4-BE49-F238E27FC236}">
-                <a16:creationId xmlns:a16="http://schemas.microsoft.com/office/drawing/2014/main" id="{EAB81557-61D1-4B6B-B5B1-3EB2575CCFAC}"/>
+          <p:cNvPr id="6" name="Titre 5">
+            <a:extLst>
+              <a:ext uri="{FF2B5EF4-FFF2-40B4-BE49-F238E27FC236}">
+                <a16:creationId xmlns:a16="http://schemas.microsoft.com/office/drawing/2014/main" id="{D4F222FB-9CA0-4E42-AF29-B3FB4BDCD9BB}"/>
               </a:ext>
             </a:extLst>
           </p:cNvPr>
@@ -7229,17 +7215,17 @@
             <a:pPr algn="ctr"/>
             <a:r>
               <a:rPr lang="fr-FR" dirty="0"/>
-              <a:t>Réalisation</a:t>
-            </a:r>
-          </a:p>
-        </p:txBody>
-      </p:sp>
-      <p:sp>
-        <p:nvSpPr>
-          <p:cNvPr id="3" name="Espace réservé du contenu 2">
-            <a:extLst>
-              <a:ext uri="{FF2B5EF4-FFF2-40B4-BE49-F238E27FC236}">
-                <a16:creationId xmlns:a16="http://schemas.microsoft.com/office/drawing/2014/main" id="{87F5C1B2-4907-46DE-8226-D3FF0AEB14E3}"/>
+              <a:t>Détecteur de chocs</a:t>
+            </a:r>
+          </a:p>
+        </p:txBody>
+      </p:sp>
+      <p:sp>
+        <p:nvSpPr>
+          <p:cNvPr id="7" name="Espace réservé du contenu 6">
+            <a:extLst>
+              <a:ext uri="{FF2B5EF4-FFF2-40B4-BE49-F238E27FC236}">
+                <a16:creationId xmlns:a16="http://schemas.microsoft.com/office/drawing/2014/main" id="{5470BC20-7311-4A9D-BA25-C5F2A0C8BF8C}"/>
               </a:ext>
             </a:extLst>
           </p:cNvPr>
@@ -7250,52 +7236,31 @@
             <p:ph idx="1"/>
           </p:nvPr>
         </p:nvSpPr>
-        <p:spPr/>
-        <p:txBody>
-          <a:bodyPr>
-            <a:normAutofit fontScale="92500" lnSpcReduction="10000"/>
-          </a:bodyPr>
+        <p:spPr>
+          <a:xfrm>
+            <a:off x="4018878" y="2352586"/>
+            <a:ext cx="4724400" cy="1407618"/>
+          </a:xfrm>
+        </p:spPr>
+        <p:txBody>
+          <a:bodyPr/>
           <a:lstStyle/>
           <a:p>
             <a:r>
               <a:rPr lang="fr-FR" dirty="0"/>
-              <a:t>GPS : </a:t>
-            </a:r>
-            <a:r>
-              <a:rPr lang="fr-FR" dirty="0" err="1"/>
-              <a:t>Adafruit</a:t>
-            </a:r>
+              <a:t>MPU6050 (ITG) </a:t>
+            </a:r>
+          </a:p>
+          <a:p>
             <a:r>
               <a:rPr lang="fr-FR" dirty="0"/>
-              <a:t> 746</a:t>
-            </a:r>
-          </a:p>
-          <a:p>
-            <a:endParaRPr lang="fr-FR" dirty="0"/>
-          </a:p>
-          <a:p>
-            <a:endParaRPr lang="fr-FR" dirty="0"/>
-          </a:p>
-          <a:p>
-            <a:endParaRPr lang="fr-FR" dirty="0"/>
-          </a:p>
-          <a:p>
-            <a:endParaRPr lang="fr-FR" dirty="0"/>
-          </a:p>
-          <a:p>
-            <a:endParaRPr lang="fr-FR" dirty="0"/>
-          </a:p>
-          <a:p>
-            <a:endParaRPr lang="fr-FR" dirty="0"/>
-          </a:p>
-          <a:p>
-            <a:endParaRPr lang="fr-FR" dirty="0"/>
-          </a:p>
-          <a:p>
-            <a:pPr algn="ctr"/>
+              <a:t>Communication : I2C</a:t>
+            </a:r>
+          </a:p>
+          <a:p>
             <a:r>
               <a:rPr lang="fr-FR" dirty="0"/>
-              <a:t>Communication : UART</a:t>
+              <a:t>IMU 6 axes : accéléromètre, gyroscope</a:t>
             </a:r>
           </a:p>
         </p:txBody>
@@ -7305,7 +7270,7 @@
           <p:cNvPr id="4" name="Espace réservé du numéro de diapositive 3">
             <a:extLst>
               <a:ext uri="{FF2B5EF4-FFF2-40B4-BE49-F238E27FC236}">
-                <a16:creationId xmlns:a16="http://schemas.microsoft.com/office/drawing/2014/main" id="{F08682E6-E160-42AF-A12F-6D97B8A873FC}"/>
+                <a16:creationId xmlns:a16="http://schemas.microsoft.com/office/drawing/2014/main" id="{3CC10538-3DBB-4D4A-A4B3-892F4D77279A}"/>
               </a:ext>
             </a:extLst>
           </p:cNvPr>
@@ -7324,6 +7289,254 @@
             <a:fld id="{1A1C1EDE-16B0-4FB0-A57E-F5C4163E195F}" type="slidenum">
               <a:rPr lang="fr-FR" smtClean="0"/>
               <a:t>6</a:t>
+            </a:fld>
+            <a:endParaRPr lang="fr-FR"/>
+          </a:p>
+        </p:txBody>
+      </p:sp>
+      <p:pic>
+        <p:nvPicPr>
+          <p:cNvPr id="5" name="Image 4" descr="Une image contenant objet&#10;&#10;Description générée avec un niveau de confiance élevé">
+            <a:extLst>
+              <a:ext uri="{FF2B5EF4-FFF2-40B4-BE49-F238E27FC236}">
+                <a16:creationId xmlns:a16="http://schemas.microsoft.com/office/drawing/2014/main" id="{E79FBD38-0DF5-4403-94BA-DC69E08CD592}"/>
+              </a:ext>
+            </a:extLst>
+          </p:cNvPr>
+          <p:cNvPicPr>
+            <a:picLocks noChangeAspect="1"/>
+          </p:cNvPicPr>
+          <p:nvPr/>
+        </p:nvPicPr>
+        <p:blipFill>
+          <a:blip r:embed="rId2">
+            <a:extLst>
+              <a:ext uri="{28A0092B-C50C-407E-A947-70E740481C1C}">
+                <a14:useLocalDpi xmlns:a14="http://schemas.microsoft.com/office/drawing/2010/main" val="0"/>
+              </a:ext>
+            </a:extLst>
+          </a:blip>
+          <a:stretch>
+            <a:fillRect/>
+          </a:stretch>
+        </p:blipFill>
+        <p:spPr>
+          <a:xfrm>
+            <a:off x="1122972" y="5452463"/>
+            <a:ext cx="2377978" cy="1058473"/>
+          </a:xfrm>
+          <a:prstGeom prst="rect">
+            <a:avLst/>
+          </a:prstGeom>
+        </p:spPr>
+      </p:pic>
+      <p:pic>
+        <p:nvPicPr>
+          <p:cNvPr id="1028" name="Picture 4" descr="Résultat de recherche d'images pour &quot;mpu6050 ITG&quot;">
+            <a:extLst>
+              <a:ext uri="{FF2B5EF4-FFF2-40B4-BE49-F238E27FC236}">
+                <a16:creationId xmlns:a16="http://schemas.microsoft.com/office/drawing/2014/main" id="{57A204C5-46CF-4DC6-B9EE-FE7EE8D4A242}"/>
+              </a:ext>
+            </a:extLst>
+          </p:cNvPr>
+          <p:cNvPicPr>
+            <a:picLocks noChangeAspect="1" noChangeArrowheads="1"/>
+          </p:cNvPicPr>
+          <p:nvPr/>
+        </p:nvPicPr>
+        <p:blipFill>
+          <a:blip r:embed="rId3">
+            <a:extLst>
+              <a:ext uri="{BEBA8EAE-BF5A-486C-A8C5-ECC9F3942E4B}">
+                <a14:imgProps xmlns:a14="http://schemas.microsoft.com/office/drawing/2010/main">
+                  <a14:imgLayer r:embed="rId4">
+                    <a14:imgEffect>
+                      <a14:backgroundRemoval t="10000" b="90000" l="10000" r="90000">
+                        <a14:foregroundMark x1="46000" y1="23000" x2="46000" y2="23000"/>
+                        <a14:foregroundMark x1="78750" y1="55375" x2="78750" y2="55375"/>
+                        <a14:foregroundMark x1="71375" y1="40000" x2="71375" y2="40000"/>
+                        <a14:foregroundMark x1="46625" y1="23000" x2="46625" y2="23000"/>
+                        <a14:foregroundMark x1="63875" y1="33000" x2="63875" y2="33000"/>
+                        <a14:foregroundMark x1="20250" y1="36000" x2="20250" y2="36000"/>
+                      </a14:backgroundRemoval>
+                    </a14:imgEffect>
+                  </a14:imgLayer>
+                </a14:imgProps>
+              </a:ext>
+              <a:ext uri="{28A0092B-C50C-407E-A947-70E740481C1C}">
+                <a14:useLocalDpi xmlns:a14="http://schemas.microsoft.com/office/drawing/2010/main" val="0"/>
+              </a:ext>
+            </a:extLst>
+          </a:blip>
+          <a:srcRect/>
+          <a:stretch>
+            <a:fillRect/>
+          </a:stretch>
+        </p:blipFill>
+        <p:spPr bwMode="auto">
+          <a:xfrm>
+            <a:off x="1481867" y="2006509"/>
+            <a:ext cx="2225040" cy="2225040"/>
+          </a:xfrm>
+          <a:prstGeom prst="rect">
+            <a:avLst/>
+          </a:prstGeom>
+          <a:noFill/>
+          <a:extLst>
+            <a:ext uri="{909E8E84-426E-40DD-AFC4-6F175D3DCCD1}">
+              <a14:hiddenFill xmlns:a14="http://schemas.microsoft.com/office/drawing/2010/main">
+                <a:solidFill>
+                  <a:srgbClr val="FFFFFF"/>
+                </a:solidFill>
+              </a14:hiddenFill>
+            </a:ext>
+          </a:extLst>
+        </p:spPr>
+      </p:pic>
+    </p:spTree>
+    <p:extLst>
+      <p:ext uri="{BB962C8B-B14F-4D97-AF65-F5344CB8AC3E}">
+        <p14:creationId xmlns:p14="http://schemas.microsoft.com/office/powerpoint/2010/main" val="3946947496"/>
+      </p:ext>
+    </p:extLst>
+  </p:cSld>
+  <p:clrMapOvr>
+    <a:masterClrMapping/>
+  </p:clrMapOvr>
+  <p:transition spd="slow">
+    <p:cover/>
+  </p:transition>
+</p:sld>
+</file>
+
+<file path=ppt/slides/slide7.xml><?xml version="1.0" encoding="utf-8"?>
+<p:sld xmlns:a="http://schemas.openxmlformats.org/drawingml/2006/main" xmlns:r="http://schemas.openxmlformats.org/officeDocument/2006/relationships" xmlns:p="http://schemas.openxmlformats.org/presentationml/2006/main">
+  <p:cSld>
+    <p:spTree>
+      <p:nvGrpSpPr>
+        <p:cNvPr id="1" name=""/>
+        <p:cNvGrpSpPr/>
+        <p:nvPr/>
+      </p:nvGrpSpPr>
+      <p:grpSpPr>
+        <a:xfrm>
+          <a:off x="0" y="0"/>
+          <a:ext cx="0" cy="0"/>
+          <a:chOff x="0" y="0"/>
+          <a:chExt cx="0" cy="0"/>
+        </a:xfrm>
+      </p:grpSpPr>
+      <p:sp>
+        <p:nvSpPr>
+          <p:cNvPr id="2" name="Titre 1">
+            <a:extLst>
+              <a:ext uri="{FF2B5EF4-FFF2-40B4-BE49-F238E27FC236}">
+                <a16:creationId xmlns:a16="http://schemas.microsoft.com/office/drawing/2014/main" id="{EAB81557-61D1-4B6B-B5B1-3EB2575CCFAC}"/>
+              </a:ext>
+            </a:extLst>
+          </p:cNvPr>
+          <p:cNvSpPr>
+            <a:spLocks noGrp="1"/>
+          </p:cNvSpPr>
+          <p:nvPr>
+            <p:ph type="title"/>
+          </p:nvPr>
+        </p:nvSpPr>
+        <p:spPr/>
+        <p:txBody>
+          <a:bodyPr/>
+          <a:lstStyle/>
+          <a:p>
+            <a:pPr algn="ctr"/>
+            <a:r>
+              <a:rPr lang="fr-FR" dirty="0"/>
+              <a:t>Réalisation</a:t>
+            </a:r>
+          </a:p>
+        </p:txBody>
+      </p:sp>
+      <p:sp>
+        <p:nvSpPr>
+          <p:cNvPr id="3" name="Espace réservé du contenu 2">
+            <a:extLst>
+              <a:ext uri="{FF2B5EF4-FFF2-40B4-BE49-F238E27FC236}">
+                <a16:creationId xmlns:a16="http://schemas.microsoft.com/office/drawing/2014/main" id="{87F5C1B2-4907-46DE-8226-D3FF0AEB14E3}"/>
+              </a:ext>
+            </a:extLst>
+          </p:cNvPr>
+          <p:cNvSpPr>
+            <a:spLocks noGrp="1"/>
+          </p:cNvSpPr>
+          <p:nvPr>
+            <p:ph idx="1"/>
+          </p:nvPr>
+        </p:nvSpPr>
+        <p:spPr>
+          <a:xfrm>
+            <a:off x="3329492" y="2162996"/>
+            <a:ext cx="3039035" cy="1441525"/>
+          </a:xfrm>
+        </p:spPr>
+        <p:txBody>
+          <a:bodyPr>
+            <a:normAutofit/>
+          </a:bodyPr>
+          <a:lstStyle/>
+          <a:p>
+            <a:r>
+              <a:rPr lang="fr-FR" dirty="0"/>
+              <a:t>GPS : </a:t>
+            </a:r>
+            <a:r>
+              <a:rPr lang="fr-FR" dirty="0" err="1"/>
+              <a:t>Adafruit</a:t>
+            </a:r>
+            <a:r>
+              <a:rPr lang="fr-FR" dirty="0"/>
+              <a:t> 746</a:t>
+            </a:r>
+          </a:p>
+          <a:p>
+            <a:r>
+              <a:rPr lang="fr-FR" dirty="0"/>
+              <a:t>Communication : UART</a:t>
+            </a:r>
+          </a:p>
+          <a:p>
+            <a:r>
+              <a:rPr lang="fr-FR" dirty="0"/>
+              <a:t>Baud Rate : 9600</a:t>
+            </a:r>
+          </a:p>
+          <a:p>
+            <a:endParaRPr lang="fr-FR" dirty="0"/>
+          </a:p>
+        </p:txBody>
+      </p:sp>
+      <p:sp>
+        <p:nvSpPr>
+          <p:cNvPr id="4" name="Espace réservé du numéro de diapositive 3">
+            <a:extLst>
+              <a:ext uri="{FF2B5EF4-FFF2-40B4-BE49-F238E27FC236}">
+                <a16:creationId xmlns:a16="http://schemas.microsoft.com/office/drawing/2014/main" id="{F08682E6-E160-42AF-A12F-6D97B8A873FC}"/>
+              </a:ext>
+            </a:extLst>
+          </p:cNvPr>
+          <p:cNvSpPr>
+            <a:spLocks noGrp="1"/>
+          </p:cNvSpPr>
+          <p:nvPr>
+            <p:ph type="sldNum" sz="quarter" idx="12"/>
+          </p:nvPr>
+        </p:nvSpPr>
+        <p:spPr/>
+        <p:txBody>
+          <a:bodyPr/>
+          <a:lstStyle/>
+          <a:p>
+            <a:fld id="{1A1C1EDE-16B0-4FB0-A57E-F5C4163E195F}" type="slidenum">
+              <a:rPr lang="fr-FR" smtClean="0"/>
+              <a:t>7</a:t>
             </a:fld>
             <a:endParaRPr lang="fr-FR"/>
           </a:p>
@@ -7385,8 +7598,8 @@
         </p:blipFill>
         <p:spPr bwMode="auto">
           <a:xfrm>
-            <a:off x="4815840" y="2865120"/>
-            <a:ext cx="2560320" cy="2560320"/>
+            <a:off x="1371600" y="1968937"/>
+            <a:ext cx="1687158" cy="1687158"/>
           </a:xfrm>
           <a:prstGeom prst="rect">
             <a:avLst/>
@@ -7439,6 +7652,237 @@
           </a:prstGeom>
         </p:spPr>
       </p:pic>
+      <p:pic>
+        <p:nvPicPr>
+          <p:cNvPr id="3074" name="Picture 2" descr="Résultat de recherche d'images pour &quot;GPS PNG&quot;">
+            <a:extLst>
+              <a:ext uri="{FF2B5EF4-FFF2-40B4-BE49-F238E27FC236}">
+                <a16:creationId xmlns:a16="http://schemas.microsoft.com/office/drawing/2014/main" id="{C8B8AC06-398E-460C-9E59-EEB3DD2B4202}"/>
+              </a:ext>
+            </a:extLst>
+          </p:cNvPr>
+          <p:cNvPicPr>
+            <a:picLocks noChangeAspect="1" noChangeArrowheads="1"/>
+          </p:cNvPicPr>
+          <p:nvPr/>
+        </p:nvPicPr>
+        <p:blipFill>
+          <a:blip r:embed="rId5">
+            <a:extLst>
+              <a:ext uri="{28A0092B-C50C-407E-A947-70E740481C1C}">
+                <a14:useLocalDpi xmlns:a14="http://schemas.microsoft.com/office/drawing/2010/main" val="0"/>
+              </a:ext>
+            </a:extLst>
+          </a:blip>
+          <a:srcRect/>
+          <a:stretch>
+            <a:fillRect/>
+          </a:stretch>
+        </p:blipFill>
+        <p:spPr bwMode="auto">
+          <a:xfrm>
+            <a:off x="8291458" y="1920949"/>
+            <a:ext cx="1683572" cy="1683572"/>
+          </a:xfrm>
+          <a:prstGeom prst="rect">
+            <a:avLst/>
+          </a:prstGeom>
+          <a:noFill/>
+          <a:extLst>
+            <a:ext uri="{909E8E84-426E-40DD-AFC4-6F175D3DCCD1}">
+              <a14:hiddenFill xmlns:a14="http://schemas.microsoft.com/office/drawing/2010/main">
+                <a:solidFill>
+                  <a:srgbClr val="FFFFFF"/>
+                </a:solidFill>
+              </a14:hiddenFill>
+            </a:ext>
+          </a:extLst>
+        </p:spPr>
+      </p:pic>
+      <p:sp>
+        <p:nvSpPr>
+          <p:cNvPr id="5" name="ZoneTexte 4">
+            <a:extLst>
+              <a:ext uri="{FF2B5EF4-FFF2-40B4-BE49-F238E27FC236}">
+                <a16:creationId xmlns:a16="http://schemas.microsoft.com/office/drawing/2014/main" id="{BDA902A7-1F8F-46DF-9F19-0C278337F577}"/>
+              </a:ext>
+            </a:extLst>
+          </p:cNvPr>
+          <p:cNvSpPr txBox="1"/>
+          <p:nvPr/>
+        </p:nvSpPr>
+        <p:spPr>
+          <a:xfrm>
+            <a:off x="2084312" y="4133373"/>
+            <a:ext cx="8186570" cy="369332"/>
+          </a:xfrm>
+          <a:prstGeom prst="rect">
+            <a:avLst/>
+          </a:prstGeom>
+          <a:noFill/>
+        </p:spPr>
+        <p:txBody>
+          <a:bodyPr wrap="square" rtlCol="0">
+            <a:spAutoFit/>
+          </a:bodyPr>
+          <a:lstStyle/>
+          <a:p>
+            <a:r>
+              <a:rPr lang="fr-FR" dirty="0"/>
+              <a:t>$GPRMC,194509.000,A,4042.6142,N,07400.4168,E,2.03,221.11,160412,,,A*77</a:t>
+            </a:r>
+          </a:p>
+        </p:txBody>
+      </p:sp>
+      <p:pic>
+        <p:nvPicPr>
+          <p:cNvPr id="3078" name="Picture 6" descr="Résultat de recherche d'images pour &quot;france coordonnées géographique&quot;">
+            <a:extLst>
+              <a:ext uri="{FF2B5EF4-FFF2-40B4-BE49-F238E27FC236}">
+                <a16:creationId xmlns:a16="http://schemas.microsoft.com/office/drawing/2014/main" id="{93E57868-D088-460E-BFBF-35908B6A092E}"/>
+              </a:ext>
+            </a:extLst>
+          </p:cNvPr>
+          <p:cNvPicPr>
+            <a:picLocks noChangeAspect="1" noChangeArrowheads="1"/>
+          </p:cNvPicPr>
+          <p:nvPr/>
+        </p:nvPicPr>
+        <p:blipFill>
+          <a:blip r:embed="rId6">
+            <a:extLst>
+              <a:ext uri="{28A0092B-C50C-407E-A947-70E740481C1C}">
+                <a14:useLocalDpi xmlns:a14="http://schemas.microsoft.com/office/drawing/2010/main" val="0"/>
+              </a:ext>
+            </a:extLst>
+          </a:blip>
+          <a:srcRect/>
+          <a:stretch>
+            <a:fillRect/>
+          </a:stretch>
+        </p:blipFill>
+        <p:spPr bwMode="auto">
+          <a:xfrm>
+            <a:off x="4432176" y="4686301"/>
+            <a:ext cx="2967038" cy="2295525"/>
+          </a:xfrm>
+          <a:prstGeom prst="rect">
+            <a:avLst/>
+          </a:prstGeom>
+          <a:noFill/>
+          <a:extLst>
+            <a:ext uri="{909E8E84-426E-40DD-AFC4-6F175D3DCCD1}">
+              <a14:hiddenFill xmlns:a14="http://schemas.microsoft.com/office/drawing/2010/main">
+                <a:solidFill>
+                  <a:srgbClr val="FFFFFF"/>
+                </a:solidFill>
+              </a14:hiddenFill>
+            </a:ext>
+          </a:extLst>
+        </p:spPr>
+      </p:pic>
+      <p:sp>
+        <p:nvSpPr>
+          <p:cNvPr id="7" name="Rectangle 6">
+            <a:extLst>
+              <a:ext uri="{FF2B5EF4-FFF2-40B4-BE49-F238E27FC236}">
+                <a16:creationId xmlns:a16="http://schemas.microsoft.com/office/drawing/2014/main" id="{9A83C576-2262-43A0-BE9D-273AA8C2B277}"/>
+              </a:ext>
+            </a:extLst>
+          </p:cNvPr>
+          <p:cNvSpPr/>
+          <p:nvPr/>
+        </p:nvSpPr>
+        <p:spPr>
+          <a:xfrm>
+            <a:off x="5651435" y="4686301"/>
+            <a:ext cx="1702402" cy="2242533"/>
+          </a:xfrm>
+          <a:prstGeom prst="rect">
+            <a:avLst/>
+          </a:prstGeom>
+          <a:solidFill>
+            <a:schemeClr val="accent1">
+              <a:alpha val="52000"/>
+            </a:schemeClr>
+          </a:solidFill>
+        </p:spPr>
+        <p:style>
+          <a:lnRef idx="2">
+            <a:schemeClr val="accent1">
+              <a:shade val="50000"/>
+            </a:schemeClr>
+          </a:lnRef>
+          <a:fillRef idx="1">
+            <a:schemeClr val="accent1"/>
+          </a:fillRef>
+          <a:effectRef idx="0">
+            <a:schemeClr val="accent1"/>
+          </a:effectRef>
+          <a:fontRef idx="minor">
+            <a:schemeClr val="lt1"/>
+          </a:fontRef>
+        </p:style>
+        <p:txBody>
+          <a:bodyPr rtlCol="0" anchor="ctr"/>
+          <a:lstStyle/>
+          <a:p>
+            <a:pPr algn="ctr"/>
+            <a:endParaRPr lang="fr-FR" dirty="0"/>
+          </a:p>
+        </p:txBody>
+      </p:sp>
+      <p:sp>
+        <p:nvSpPr>
+          <p:cNvPr id="12" name="Rectangle 11">
+            <a:extLst>
+              <a:ext uri="{FF2B5EF4-FFF2-40B4-BE49-F238E27FC236}">
+                <a16:creationId xmlns:a16="http://schemas.microsoft.com/office/drawing/2014/main" id="{D44081BF-9081-49EB-BDB1-253741F741E3}"/>
+              </a:ext>
+            </a:extLst>
+          </p:cNvPr>
+          <p:cNvSpPr/>
+          <p:nvPr/>
+        </p:nvSpPr>
+        <p:spPr>
+          <a:xfrm>
+            <a:off x="4432176" y="4686300"/>
+            <a:ext cx="1186985" cy="2242533"/>
+          </a:xfrm>
+          <a:prstGeom prst="rect">
+            <a:avLst/>
+          </a:prstGeom>
+          <a:solidFill>
+            <a:srgbClr val="FF0000">
+              <a:alpha val="52000"/>
+            </a:srgbClr>
+          </a:solidFill>
+        </p:spPr>
+        <p:style>
+          <a:lnRef idx="2">
+            <a:schemeClr val="accent1">
+              <a:shade val="50000"/>
+            </a:schemeClr>
+          </a:lnRef>
+          <a:fillRef idx="1">
+            <a:schemeClr val="accent1"/>
+          </a:fillRef>
+          <a:effectRef idx="0">
+            <a:schemeClr val="accent1"/>
+          </a:effectRef>
+          <a:fontRef idx="minor">
+            <a:schemeClr val="lt1"/>
+          </a:fontRef>
+        </p:style>
+        <p:txBody>
+          <a:bodyPr rtlCol="0" anchor="ctr"/>
+          <a:lstStyle/>
+          <a:p>
+            <a:pPr algn="ctr"/>
+            <a:endParaRPr lang="fr-FR" dirty="0"/>
+          </a:p>
+        </p:txBody>
+      </p:sp>
     </p:spTree>
     <p:extLst>
       <p:ext uri="{BB962C8B-B14F-4D97-AF65-F5344CB8AC3E}">
@@ -7449,209 +7893,9 @@
   <p:clrMapOvr>
     <a:masterClrMapping/>
   </p:clrMapOvr>
-</p:sld>
-</file>
-
-<file path=ppt/slides/slide7.xml><?xml version="1.0" encoding="utf-8"?>
-<p:sld xmlns:a="http://schemas.openxmlformats.org/drawingml/2006/main" xmlns:r="http://schemas.openxmlformats.org/officeDocument/2006/relationships" xmlns:p="http://schemas.openxmlformats.org/presentationml/2006/main">
-  <p:cSld>
-    <p:spTree>
-      <p:nvGrpSpPr>
-        <p:cNvPr id="1" name=""/>
-        <p:cNvGrpSpPr/>
-        <p:nvPr/>
-      </p:nvGrpSpPr>
-      <p:grpSpPr>
-        <a:xfrm>
-          <a:off x="0" y="0"/>
-          <a:ext cx="0" cy="0"/>
-          <a:chOff x="0" y="0"/>
-          <a:chExt cx="0" cy="0"/>
-        </a:xfrm>
-      </p:grpSpPr>
-      <p:sp>
-        <p:nvSpPr>
-          <p:cNvPr id="2" name="Titre 1">
-            <a:extLst>
-              <a:ext uri="{FF2B5EF4-FFF2-40B4-BE49-F238E27FC236}">
-                <a16:creationId xmlns:a16="http://schemas.microsoft.com/office/drawing/2014/main" id="{584D5C48-EF27-494E-B3D2-7B8267C7186D}"/>
-              </a:ext>
-            </a:extLst>
-          </p:cNvPr>
-          <p:cNvSpPr>
-            <a:spLocks noGrp="1"/>
-          </p:cNvSpPr>
-          <p:nvPr>
-            <p:ph type="title"/>
-          </p:nvPr>
-        </p:nvSpPr>
-        <p:spPr/>
-        <p:txBody>
-          <a:bodyPr/>
-          <a:lstStyle/>
-          <a:p>
-            <a:pPr algn="ctr"/>
-            <a:r>
-              <a:rPr lang="fr-FR" dirty="0"/>
-              <a:t>Réalisation</a:t>
-            </a:r>
-          </a:p>
-        </p:txBody>
-      </p:sp>
-      <p:sp>
-        <p:nvSpPr>
-          <p:cNvPr id="3" name="Espace réservé du contenu 2">
-            <a:extLst>
-              <a:ext uri="{FF2B5EF4-FFF2-40B4-BE49-F238E27FC236}">
-                <a16:creationId xmlns:a16="http://schemas.microsoft.com/office/drawing/2014/main" id="{01044337-363F-491B-8AB5-6CC86E8B7CA0}"/>
-              </a:ext>
-            </a:extLst>
-          </p:cNvPr>
-          <p:cNvSpPr>
-            <a:spLocks noGrp="1"/>
-          </p:cNvSpPr>
-          <p:nvPr>
-            <p:ph idx="1"/>
-          </p:nvPr>
-        </p:nvSpPr>
-        <p:spPr/>
-        <p:txBody>
-          <a:bodyPr/>
-          <a:lstStyle/>
-          <a:p>
-            <a:r>
-              <a:rPr lang="fr-FR" dirty="0"/>
-              <a:t>Bouton Momentané avec LED intégré</a:t>
-            </a:r>
-          </a:p>
-        </p:txBody>
-      </p:sp>
-      <p:sp>
-        <p:nvSpPr>
-          <p:cNvPr id="4" name="Espace réservé du numéro de diapositive 3">
-            <a:extLst>
-              <a:ext uri="{FF2B5EF4-FFF2-40B4-BE49-F238E27FC236}">
-                <a16:creationId xmlns:a16="http://schemas.microsoft.com/office/drawing/2014/main" id="{75F6DC92-574F-42F9-A1FD-B87A3427A711}"/>
-              </a:ext>
-            </a:extLst>
-          </p:cNvPr>
-          <p:cNvSpPr>
-            <a:spLocks noGrp="1"/>
-          </p:cNvSpPr>
-          <p:nvPr>
-            <p:ph type="sldNum" sz="quarter" idx="12"/>
-          </p:nvPr>
-        </p:nvSpPr>
-        <p:spPr/>
-        <p:txBody>
-          <a:bodyPr/>
-          <a:lstStyle/>
-          <a:p>
-            <a:fld id="{1A1C1EDE-16B0-4FB0-A57E-F5C4163E195F}" type="slidenum">
-              <a:rPr lang="fr-FR" smtClean="0"/>
-              <a:t>7</a:t>
-            </a:fld>
-            <a:endParaRPr lang="fr-FR"/>
-          </a:p>
-        </p:txBody>
-      </p:sp>
-      <p:pic>
-        <p:nvPicPr>
-          <p:cNvPr id="5" name="Image 4">
-            <a:extLst>
-              <a:ext uri="{FF2B5EF4-FFF2-40B4-BE49-F238E27FC236}">
-                <a16:creationId xmlns:a16="http://schemas.microsoft.com/office/drawing/2014/main" id="{BA17BD5E-DFC3-4571-B4FB-58C16F987DAF}"/>
-              </a:ext>
-            </a:extLst>
-          </p:cNvPr>
-          <p:cNvPicPr>
-            <a:picLocks noChangeAspect="1"/>
-          </p:cNvPicPr>
-          <p:nvPr/>
-        </p:nvPicPr>
-        <p:blipFill>
-          <a:blip r:embed="rId2">
-            <a:extLst>
-              <a:ext uri="{BEBA8EAE-BF5A-486C-A8C5-ECC9F3942E4B}">
-                <a14:imgProps xmlns:a14="http://schemas.microsoft.com/office/drawing/2010/main">
-                  <a14:imgLayer r:embed="rId3">
-                    <a14:imgEffect>
-                      <a14:backgroundRemoval t="5122" b="95111" l="9438" r="94380">
-                        <a14:foregroundMark x1="35525" y1="91036" x2="35525" y2="91036"/>
-                        <a14:foregroundMark x1="39130" y1="93248" x2="39130" y2="93248"/>
-                        <a14:foregroundMark x1="36373" y1="94063" x2="36373" y2="94063"/>
-                        <a14:foregroundMark x1="35313" y1="95227" x2="35313" y2="95227"/>
-                        <a14:foregroundMark x1="9544" y1="55995" x2="9544" y2="55995"/>
-                        <a14:foregroundMark x1="69141" y1="8382" x2="69141" y2="8382"/>
-                        <a14:foregroundMark x1="83775" y1="11409" x2="83775" y2="11409"/>
-                        <a14:foregroundMark x1="94380" y1="5122" x2="94380" y2="5122"/>
-                      </a14:backgroundRemoval>
-                    </a14:imgEffect>
-                  </a14:imgLayer>
-                </a14:imgProps>
-              </a:ext>
-            </a:extLst>
-          </a:blip>
-          <a:stretch>
-            <a:fillRect/>
-          </a:stretch>
-        </p:blipFill>
-        <p:spPr>
-          <a:xfrm>
-            <a:off x="4934114" y="3429000"/>
-            <a:ext cx="2323771" cy="2116775"/>
-          </a:xfrm>
-          <a:prstGeom prst="rect">
-            <a:avLst/>
-          </a:prstGeom>
-        </p:spPr>
-      </p:pic>
-      <p:pic>
-        <p:nvPicPr>
-          <p:cNvPr id="6" name="Image 5" descr="Une image contenant objet&#10;&#10;Description générée avec un niveau de confiance élevé">
-            <a:extLst>
-              <a:ext uri="{FF2B5EF4-FFF2-40B4-BE49-F238E27FC236}">
-                <a16:creationId xmlns:a16="http://schemas.microsoft.com/office/drawing/2014/main" id="{18A05705-6F80-4261-BA61-8B561340862B}"/>
-              </a:ext>
-            </a:extLst>
-          </p:cNvPr>
-          <p:cNvPicPr>
-            <a:picLocks noChangeAspect="1"/>
-          </p:cNvPicPr>
-          <p:nvPr/>
-        </p:nvPicPr>
-        <p:blipFill>
-          <a:blip r:embed="rId4">
-            <a:extLst>
-              <a:ext uri="{28A0092B-C50C-407E-A947-70E740481C1C}">
-                <a14:useLocalDpi xmlns:a14="http://schemas.microsoft.com/office/drawing/2010/main" val="0"/>
-              </a:ext>
-            </a:extLst>
-          </a:blip>
-          <a:stretch>
-            <a:fillRect/>
-          </a:stretch>
-        </p:blipFill>
-        <p:spPr>
-          <a:xfrm>
-            <a:off x="1122972" y="5452463"/>
-            <a:ext cx="2377978" cy="1058473"/>
-          </a:xfrm>
-          <a:prstGeom prst="rect">
-            <a:avLst/>
-          </a:prstGeom>
-        </p:spPr>
-      </p:pic>
-    </p:spTree>
-    <p:extLst>
-      <p:ext uri="{BB962C8B-B14F-4D97-AF65-F5344CB8AC3E}">
-        <p14:creationId xmlns:p14="http://schemas.microsoft.com/office/powerpoint/2010/main" val="693806489"/>
-      </p:ext>
-    </p:extLst>
-  </p:cSld>
-  <p:clrMapOvr>
-    <a:masterClrMapping/>
-  </p:clrMapOvr>
+  <p:transition spd="slow">
+    <p:cover/>
+  </p:transition>
 </p:sld>
 </file>
 
@@ -7696,7 +7940,7 @@
             <a:pPr algn="ctr"/>
             <a:r>
               <a:rPr lang="fr-FR" dirty="0"/>
-              <a:t>Réalisation</a:t>
+              <a:t>Transmission des données</a:t>
             </a:r>
           </a:p>
         </p:txBody>
@@ -7717,7 +7961,12 @@
             <p:ph idx="1"/>
           </p:nvPr>
         </p:nvSpPr>
-        <p:spPr/>
+        <p:spPr>
+          <a:xfrm>
+            <a:off x="4056276" y="2335171"/>
+            <a:ext cx="3361765" cy="1549101"/>
+          </a:xfrm>
+        </p:spPr>
         <p:txBody>
           <a:bodyPr/>
           <a:lstStyle/>
@@ -7732,26 +7981,19 @@
             </a:r>
           </a:p>
           <a:p>
-            <a:endParaRPr lang="fr-FR" dirty="0"/>
-          </a:p>
-          <a:p>
-            <a:endParaRPr lang="fr-FR" dirty="0"/>
-          </a:p>
-          <a:p>
-            <a:endParaRPr lang="fr-FR" dirty="0"/>
-          </a:p>
-          <a:p>
-            <a:endParaRPr lang="fr-FR" dirty="0"/>
-          </a:p>
-          <a:p>
-            <a:endParaRPr lang="fr-FR" dirty="0"/>
-          </a:p>
-          <a:p>
-            <a:pPr algn="ctr"/>
             <a:r>
               <a:rPr lang="fr-FR" dirty="0"/>
               <a:t>Communication : UART</a:t>
             </a:r>
+          </a:p>
+          <a:p>
+            <a:r>
+              <a:rPr lang="fr-FR" dirty="0"/>
+              <a:t>Baud Rate : 115200</a:t>
+            </a:r>
+          </a:p>
+          <a:p>
+            <a:endParaRPr lang="fr-FR" dirty="0"/>
           </a:p>
           <a:p>
             <a:endParaRPr lang="fr-FR" dirty="0"/>
@@ -7831,7 +8073,7 @@
         </p:blipFill>
         <p:spPr bwMode="auto">
           <a:xfrm>
-            <a:off x="4889613" y="2677885"/>
+            <a:off x="1477916" y="1634969"/>
             <a:ext cx="2412774" cy="2412774"/>
           </a:xfrm>
           <a:prstGeom prst="rect">
@@ -7885,6 +8127,194 @@
           </a:prstGeom>
         </p:spPr>
       </p:pic>
+      <p:pic>
+        <p:nvPicPr>
+          <p:cNvPr id="4098" name="Picture 2" descr="Résultat de recherche d'images pour &quot;antennes png&quot;">
+            <a:extLst>
+              <a:ext uri="{FF2B5EF4-FFF2-40B4-BE49-F238E27FC236}">
+                <a16:creationId xmlns:a16="http://schemas.microsoft.com/office/drawing/2014/main" id="{9755E78D-300F-42AF-A6AB-17CAF163B775}"/>
+              </a:ext>
+            </a:extLst>
+          </p:cNvPr>
+          <p:cNvPicPr>
+            <a:picLocks noChangeAspect="1" noChangeArrowheads="1"/>
+          </p:cNvPicPr>
+          <p:nvPr/>
+        </p:nvPicPr>
+        <p:blipFill>
+          <a:blip r:embed="rId5">
+            <a:extLst>
+              <a:ext uri="{28A0092B-C50C-407E-A947-70E740481C1C}">
+                <a14:useLocalDpi xmlns:a14="http://schemas.microsoft.com/office/drawing/2010/main" val="0"/>
+              </a:ext>
+            </a:extLst>
+          </a:blip>
+          <a:srcRect/>
+          <a:stretch>
+            <a:fillRect/>
+          </a:stretch>
+        </p:blipFill>
+        <p:spPr bwMode="auto">
+          <a:xfrm>
+            <a:off x="3500950" y="4405849"/>
+            <a:ext cx="1097629" cy="1097629"/>
+          </a:xfrm>
+          <a:prstGeom prst="rect">
+            <a:avLst/>
+          </a:prstGeom>
+          <a:noFill/>
+          <a:extLst>
+            <a:ext uri="{909E8E84-426E-40DD-AFC4-6F175D3DCCD1}">
+              <a14:hiddenFill xmlns:a14="http://schemas.microsoft.com/office/drawing/2010/main">
+                <a:solidFill>
+                  <a:srgbClr val="FFFFFF"/>
+                </a:solidFill>
+              </a14:hiddenFill>
+            </a:ext>
+          </a:extLst>
+        </p:spPr>
+      </p:pic>
+      <p:pic>
+        <p:nvPicPr>
+          <p:cNvPr id="4100" name="Picture 4" descr="Résultat de recherche d'images pour &quot;cloud logo  png&quot;">
+            <a:extLst>
+              <a:ext uri="{FF2B5EF4-FFF2-40B4-BE49-F238E27FC236}">
+                <a16:creationId xmlns:a16="http://schemas.microsoft.com/office/drawing/2014/main" id="{7B133686-6B2A-4D0B-9712-02EB214C6280}"/>
+              </a:ext>
+            </a:extLst>
+          </p:cNvPr>
+          <p:cNvPicPr>
+            <a:picLocks noChangeAspect="1" noChangeArrowheads="1"/>
+          </p:cNvPicPr>
+          <p:nvPr/>
+        </p:nvPicPr>
+        <p:blipFill>
+          <a:blip r:embed="rId6">
+            <a:extLst>
+              <a:ext uri="{28A0092B-C50C-407E-A947-70E740481C1C}">
+                <a14:useLocalDpi xmlns:a14="http://schemas.microsoft.com/office/drawing/2010/main" val="0"/>
+              </a:ext>
+            </a:extLst>
+          </a:blip>
+          <a:srcRect/>
+          <a:stretch>
+            <a:fillRect/>
+          </a:stretch>
+        </p:blipFill>
+        <p:spPr bwMode="auto">
+          <a:xfrm>
+            <a:off x="5343718" y="4316990"/>
+            <a:ext cx="1137859" cy="1058473"/>
+          </a:xfrm>
+          <a:prstGeom prst="rect">
+            <a:avLst/>
+          </a:prstGeom>
+          <a:noFill/>
+          <a:extLst>
+            <a:ext uri="{909E8E84-426E-40DD-AFC4-6F175D3DCCD1}">
+              <a14:hiddenFill xmlns:a14="http://schemas.microsoft.com/office/drawing/2010/main">
+                <a:solidFill>
+                  <a:srgbClr val="FFFFFF"/>
+                </a:solidFill>
+              </a14:hiddenFill>
+            </a:ext>
+          </a:extLst>
+        </p:spPr>
+      </p:pic>
+      <p:pic>
+        <p:nvPicPr>
+          <p:cNvPr id="4102" name="Picture 6" descr="Résultat de recherche d'images pour &quot;monitoring png&quot;">
+            <a:extLst>
+              <a:ext uri="{FF2B5EF4-FFF2-40B4-BE49-F238E27FC236}">
+                <a16:creationId xmlns:a16="http://schemas.microsoft.com/office/drawing/2014/main" id="{4B202DD2-0F06-4B1E-B03B-E36A08D6A803}"/>
+              </a:ext>
+            </a:extLst>
+          </p:cNvPr>
+          <p:cNvPicPr>
+            <a:picLocks noChangeAspect="1" noChangeArrowheads="1"/>
+          </p:cNvPicPr>
+          <p:nvPr/>
+        </p:nvPicPr>
+        <p:blipFill>
+          <a:blip r:embed="rId7">
+            <a:extLst>
+              <a:ext uri="{28A0092B-C50C-407E-A947-70E740481C1C}">
+                <a14:useLocalDpi xmlns:a14="http://schemas.microsoft.com/office/drawing/2010/main" val="0"/>
+              </a:ext>
+            </a:extLst>
+          </a:blip>
+          <a:srcRect/>
+          <a:stretch>
+            <a:fillRect/>
+          </a:stretch>
+        </p:blipFill>
+        <p:spPr bwMode="auto">
+          <a:xfrm>
+            <a:off x="7226716" y="4131717"/>
+            <a:ext cx="1533629" cy="1371761"/>
+          </a:xfrm>
+          <a:prstGeom prst="rect">
+            <a:avLst/>
+          </a:prstGeom>
+          <a:noFill/>
+          <a:extLst>
+            <a:ext uri="{909E8E84-426E-40DD-AFC4-6F175D3DCCD1}">
+              <a14:hiddenFill xmlns:a14="http://schemas.microsoft.com/office/drawing/2010/main">
+                <a:solidFill>
+                  <a:srgbClr val="FFFFFF"/>
+                </a:solidFill>
+              </a14:hiddenFill>
+            </a:ext>
+          </a:extLst>
+        </p:spPr>
+      </p:pic>
+      <p:pic>
+        <p:nvPicPr>
+          <p:cNvPr id="4106" name="Picture 10" descr="Résultat de recherche d'images pour &quot;sigfox png&quot;">
+            <a:extLst>
+              <a:ext uri="{FF2B5EF4-FFF2-40B4-BE49-F238E27FC236}">
+                <a16:creationId xmlns:a16="http://schemas.microsoft.com/office/drawing/2014/main" id="{0E4118B1-4308-4068-8945-A8C09C288FC5}"/>
+              </a:ext>
+            </a:extLst>
+          </p:cNvPr>
+          <p:cNvPicPr>
+            <a:picLocks noChangeAspect="1" noChangeArrowheads="1"/>
+          </p:cNvPicPr>
+          <p:nvPr/>
+        </p:nvPicPr>
+        <p:blipFill>
+          <a:blip r:embed="rId8">
+            <a:extLst>
+              <a:ext uri="{28A0092B-C50C-407E-A947-70E740481C1C}">
+                <a14:useLocalDpi xmlns:a14="http://schemas.microsoft.com/office/drawing/2010/main" val="0"/>
+              </a:ext>
+            </a:extLst>
+          </a:blip>
+          <a:srcRect/>
+          <a:stretch>
+            <a:fillRect/>
+          </a:stretch>
+        </p:blipFill>
+        <p:spPr bwMode="auto">
+          <a:xfrm>
+            <a:off x="8064644" y="2517098"/>
+            <a:ext cx="3120255" cy="771676"/>
+          </a:xfrm>
+          <a:prstGeom prst="rect">
+            <a:avLst/>
+          </a:prstGeom>
+          <a:noFill/>
+          <a:extLst>
+            <a:ext uri="{909E8E84-426E-40DD-AFC4-6F175D3DCCD1}">
+              <a14:hiddenFill xmlns:a14="http://schemas.microsoft.com/office/drawing/2010/main">
+                <a:solidFill>
+                  <a:srgbClr val="FFFFFF"/>
+                </a:solidFill>
+              </a14:hiddenFill>
+            </a:ext>
+          </a:extLst>
+        </p:spPr>
+      </p:pic>
     </p:spTree>
     <p:extLst>
       <p:ext uri="{BB962C8B-B14F-4D97-AF65-F5344CB8AC3E}">
@@ -7895,6 +8325,9 @@
   <p:clrMapOvr>
     <a:masterClrMapping/>
   </p:clrMapOvr>
+  <p:transition spd="slow">
+    <p:cover/>
+  </p:transition>
 </p:sld>
 </file>
 
@@ -7920,7 +8353,7 @@
           <p:cNvPr id="2" name="Titre 1">
             <a:extLst>
               <a:ext uri="{FF2B5EF4-FFF2-40B4-BE49-F238E27FC236}">
-                <a16:creationId xmlns:a16="http://schemas.microsoft.com/office/drawing/2014/main" id="{D5BBFE0A-2FD0-4F52-8063-1ADBEB1E6C07}"/>
+                <a16:creationId xmlns:a16="http://schemas.microsoft.com/office/drawing/2014/main" id="{584D5C48-EF27-494E-B3D2-7B8267C7186D}"/>
               </a:ext>
             </a:extLst>
           </p:cNvPr>
@@ -7939,7 +8372,7 @@
             <a:pPr algn="ctr"/>
             <a:r>
               <a:rPr lang="fr-FR" dirty="0"/>
-              <a:t>Réalisation</a:t>
+              <a:t>Autres fonctionnalités</a:t>
             </a:r>
           </a:p>
         </p:txBody>
@@ -7949,7 +8382,7 @@
           <p:cNvPr id="3" name="Espace réservé du contenu 2">
             <a:extLst>
               <a:ext uri="{FF2B5EF4-FFF2-40B4-BE49-F238E27FC236}">
-                <a16:creationId xmlns:a16="http://schemas.microsoft.com/office/drawing/2014/main" id="{C59EBA1E-822A-45BC-A7AC-1473482364EB}"/>
+                <a16:creationId xmlns:a16="http://schemas.microsoft.com/office/drawing/2014/main" id="{01044337-363F-491B-8AB5-6CC86E8B7CA0}"/>
               </a:ext>
             </a:extLst>
           </p:cNvPr>
@@ -7967,7 +8400,7 @@
           <a:p>
             <a:r>
               <a:rPr lang="fr-FR" dirty="0"/>
-              <a:t>µC : Raspberry PI 3 : programmation en python</a:t>
+              <a:t>Bouton Momentané avec LED intégré		Avertisseur sonore</a:t>
             </a:r>
           </a:p>
         </p:txBody>
@@ -7977,7 +8410,7 @@
           <p:cNvPr id="4" name="Espace réservé du numéro de diapositive 3">
             <a:extLst>
               <a:ext uri="{FF2B5EF4-FFF2-40B4-BE49-F238E27FC236}">
-                <a16:creationId xmlns:a16="http://schemas.microsoft.com/office/drawing/2014/main" id="{8EB27CD3-1506-4B71-B884-3D34C281661F}"/>
+                <a16:creationId xmlns:a16="http://schemas.microsoft.com/office/drawing/2014/main" id="{75F6DC92-574F-42F9-A1FD-B87A3427A711}"/>
               </a:ext>
             </a:extLst>
           </p:cNvPr>
@@ -8003,10 +8436,97 @@
       </p:sp>
       <p:pic>
         <p:nvPicPr>
-          <p:cNvPr id="4098" name="Picture 2" descr="Résultat de recherche d'images pour &quot;raspberry pi&quot;&quot;">
-            <a:extLst>
-              <a:ext uri="{FF2B5EF4-FFF2-40B4-BE49-F238E27FC236}">
-                <a16:creationId xmlns:a16="http://schemas.microsoft.com/office/drawing/2014/main" id="{ED785B6A-FD53-4AE5-916B-11692E015B18}"/>
+          <p:cNvPr id="5" name="Image 4">
+            <a:extLst>
+              <a:ext uri="{FF2B5EF4-FFF2-40B4-BE49-F238E27FC236}">
+                <a16:creationId xmlns:a16="http://schemas.microsoft.com/office/drawing/2014/main" id="{BA17BD5E-DFC3-4571-B4FB-58C16F987DAF}"/>
+              </a:ext>
+            </a:extLst>
+          </p:cNvPr>
+          <p:cNvPicPr>
+            <a:picLocks noChangeAspect="1"/>
+          </p:cNvPicPr>
+          <p:nvPr/>
+        </p:nvPicPr>
+        <p:blipFill>
+          <a:blip r:embed="rId2">
+            <a:extLst>
+              <a:ext uri="{BEBA8EAE-BF5A-486C-A8C5-ECC9F3942E4B}">
+                <a14:imgProps xmlns:a14="http://schemas.microsoft.com/office/drawing/2010/main">
+                  <a14:imgLayer r:embed="rId3">
+                    <a14:imgEffect>
+                      <a14:backgroundRemoval t="5122" b="95111" l="9438" r="94380">
+                        <a14:foregroundMark x1="35525" y1="91036" x2="35525" y2="91036"/>
+                        <a14:foregroundMark x1="39130" y1="93248" x2="39130" y2="93248"/>
+                        <a14:foregroundMark x1="36373" y1="94063" x2="36373" y2="94063"/>
+                        <a14:foregroundMark x1="35313" y1="95227" x2="35313" y2="95227"/>
+                        <a14:foregroundMark x1="9544" y1="55995" x2="9544" y2="55995"/>
+                        <a14:foregroundMark x1="69141" y1="8382" x2="69141" y2="8382"/>
+                        <a14:foregroundMark x1="83775" y1="11409" x2="83775" y2="11409"/>
+                        <a14:foregroundMark x1="94380" y1="5122" x2="94380" y2="5122"/>
+                      </a14:backgroundRemoval>
+                    </a14:imgEffect>
+                  </a14:imgLayer>
+                </a14:imgProps>
+              </a:ext>
+            </a:extLst>
+          </a:blip>
+          <a:stretch>
+            <a:fillRect/>
+          </a:stretch>
+        </p:blipFill>
+        <p:spPr>
+          <a:xfrm>
+            <a:off x="2229551" y="3018312"/>
+            <a:ext cx="2323771" cy="2116775"/>
+          </a:xfrm>
+          <a:prstGeom prst="rect">
+            <a:avLst/>
+          </a:prstGeom>
+        </p:spPr>
+      </p:pic>
+      <p:pic>
+        <p:nvPicPr>
+          <p:cNvPr id="6" name="Image 5" descr="Une image contenant objet&#10;&#10;Description générée avec un niveau de confiance élevé">
+            <a:extLst>
+              <a:ext uri="{FF2B5EF4-FFF2-40B4-BE49-F238E27FC236}">
+                <a16:creationId xmlns:a16="http://schemas.microsoft.com/office/drawing/2014/main" id="{18A05705-6F80-4261-BA61-8B561340862B}"/>
+              </a:ext>
+            </a:extLst>
+          </p:cNvPr>
+          <p:cNvPicPr>
+            <a:picLocks noChangeAspect="1"/>
+          </p:cNvPicPr>
+          <p:nvPr/>
+        </p:nvPicPr>
+        <p:blipFill>
+          <a:blip r:embed="rId4">
+            <a:extLst>
+              <a:ext uri="{28A0092B-C50C-407E-A947-70E740481C1C}">
+                <a14:useLocalDpi xmlns:a14="http://schemas.microsoft.com/office/drawing/2010/main" val="0"/>
+              </a:ext>
+            </a:extLst>
+          </a:blip>
+          <a:stretch>
+            <a:fillRect/>
+          </a:stretch>
+        </p:blipFill>
+        <p:spPr>
+          <a:xfrm>
+            <a:off x="1122972" y="5452463"/>
+            <a:ext cx="2377978" cy="1058473"/>
+          </a:xfrm>
+          <a:prstGeom prst="rect">
+            <a:avLst/>
+          </a:prstGeom>
+        </p:spPr>
+      </p:pic>
+      <p:pic>
+        <p:nvPicPr>
+          <p:cNvPr id="5122" name="Picture 2" descr="Résultat de recherche d'images pour &quot;haut parleur png&quot;">
+            <a:extLst>
+              <a:ext uri="{FF2B5EF4-FFF2-40B4-BE49-F238E27FC236}">
+                <a16:creationId xmlns:a16="http://schemas.microsoft.com/office/drawing/2014/main" id="{F9E6AF76-B001-4AFA-A5A0-D690707F0245}"/>
               </a:ext>
             </a:extLst>
           </p:cNvPr>
@@ -8016,44 +8536,8 @@
           <p:nvPr/>
         </p:nvPicPr>
         <p:blipFill>
-          <a:blip r:embed="rId2">
-            <a:extLst>
-              <a:ext uri="{BEBA8EAE-BF5A-486C-A8C5-ECC9F3942E4B}">
-                <a14:imgProps xmlns:a14="http://schemas.microsoft.com/office/drawing/2010/main">
-                  <a14:imgLayer r:embed="rId3">
-                    <a14:imgEffect>
-                      <a14:backgroundRemoval t="9492" b="94915" l="2928" r="93919">
-                        <a14:foregroundMark x1="92342" y1="40000" x2="92342" y2="40000"/>
-                        <a14:foregroundMark x1="94369" y1="48475" x2="94369" y2="48475"/>
-                        <a14:foregroundMark x1="57207" y1="82034" x2="57207" y2="82034"/>
-                        <a14:foregroundMark x1="50901" y1="76610" x2="50901" y2="76610"/>
-                        <a14:foregroundMark x1="81081" y1="66780" x2="81081" y2="66780"/>
-                        <a14:foregroundMark x1="92342" y1="51864" x2="92342" y2="51864"/>
-                        <a14:foregroundMark x1="41892" y1="52881" x2="41892" y2="52881"/>
-                        <a14:foregroundMark x1="6982" y1="43729" x2="6982" y2="43729"/>
-                        <a14:foregroundMark x1="6757" y1="39661" x2="6757" y2="39661"/>
-                        <a14:foregroundMark x1="2928" y1="42034" x2="2928" y2="42034"/>
-                        <a14:foregroundMark x1="19369" y1="21017" x2="19369" y2="21017"/>
-                        <a14:foregroundMark x1="19595" y1="20000" x2="19595" y2="20000"/>
-                        <a14:foregroundMark x1="17568" y1="22034" x2="17793" y2="22373"/>
-                        <a14:foregroundMark x1="15315" y1="26780" x2="15315" y2="26780"/>
-                        <a14:foregroundMark x1="25000" y1="16949" x2="25000" y2="16949"/>
-                        <a14:foregroundMark x1="23198" y1="17288" x2="23198" y2="17288"/>
-                        <a14:foregroundMark x1="25676" y1="14576" x2="25901" y2="14576"/>
-                        <a14:foregroundMark x1="27703" y1="13559" x2="27703" y2="13559"/>
-                        <a14:foregroundMark x1="28378" y1="13220" x2="28378" y2="13220"/>
-                        <a14:foregroundMark x1="29955" y1="13220" x2="29955" y2="13220"/>
-                        <a14:foregroundMark x1="14865" y1="25424" x2="14865" y2="25424"/>
-                        <a14:foregroundMark x1="52477" y1="88814" x2="52477" y2="88814"/>
-                        <a14:foregroundMark x1="57658" y1="92203" x2="57658" y2="92203"/>
-                        <a14:foregroundMark x1="58784" y1="95254" x2="58784" y2="95254"/>
-                        <a14:foregroundMark x1="36261" y1="9492" x2="36261" y2="9492"/>
-                        <a14:foregroundMark x1="43243" y1="80000" x2="43243" y2="80000"/>
-                      </a14:backgroundRemoval>
-                    </a14:imgEffect>
-                  </a14:imgLayer>
-                </a14:imgProps>
-              </a:ext>
+          <a:blip r:embed="rId5">
+            <a:extLst>
               <a:ext uri="{28A0092B-C50C-407E-A947-70E740481C1C}">
                 <a14:useLocalDpi xmlns:a14="http://schemas.microsoft.com/office/drawing/2010/main" val="0"/>
               </a:ext>
@@ -8066,8 +8550,8 @@
         </p:blipFill>
         <p:spPr bwMode="auto">
           <a:xfrm>
-            <a:off x="4689883" y="3181350"/>
-            <a:ext cx="2812233" cy="1868488"/>
+            <a:off x="7070502" y="3215962"/>
+            <a:ext cx="1811627" cy="1811627"/>
           </a:xfrm>
           <a:prstGeom prst="rect">
             <a:avLst/>
@@ -8084,52 +8568,19 @@
           </a:extLst>
         </p:spPr>
       </p:pic>
-      <p:pic>
-        <p:nvPicPr>
-          <p:cNvPr id="6" name="Image 5" descr="Une image contenant objet&#10;&#10;Description générée avec un niveau de confiance élevé">
-            <a:extLst>
-              <a:ext uri="{FF2B5EF4-FFF2-40B4-BE49-F238E27FC236}">
-                <a16:creationId xmlns:a16="http://schemas.microsoft.com/office/drawing/2014/main" id="{E8B8E3BB-4713-401E-B674-8989F50E9CBF}"/>
-              </a:ext>
-            </a:extLst>
-          </p:cNvPr>
-          <p:cNvPicPr>
-            <a:picLocks noChangeAspect="1"/>
-          </p:cNvPicPr>
-          <p:nvPr/>
-        </p:nvPicPr>
-        <p:blipFill>
-          <a:blip r:embed="rId4">
-            <a:extLst>
-              <a:ext uri="{28A0092B-C50C-407E-A947-70E740481C1C}">
-                <a14:useLocalDpi xmlns:a14="http://schemas.microsoft.com/office/drawing/2010/main" val="0"/>
-              </a:ext>
-            </a:extLst>
-          </a:blip>
-          <a:stretch>
-            <a:fillRect/>
-          </a:stretch>
-        </p:blipFill>
-        <p:spPr>
-          <a:xfrm>
-            <a:off x="1122972" y="5452463"/>
-            <a:ext cx="2377978" cy="1058473"/>
-          </a:xfrm>
-          <a:prstGeom prst="rect">
-            <a:avLst/>
-          </a:prstGeom>
-        </p:spPr>
-      </p:pic>
     </p:spTree>
     <p:extLst>
       <p:ext uri="{BB962C8B-B14F-4D97-AF65-F5344CB8AC3E}">
-        <p14:creationId xmlns:p14="http://schemas.microsoft.com/office/powerpoint/2010/main" val="2849199311"/>
+        <p14:creationId xmlns:p14="http://schemas.microsoft.com/office/powerpoint/2010/main" val="693806489"/>
       </p:ext>
     </p:extLst>
   </p:cSld>
   <p:clrMapOvr>
     <a:masterClrMapping/>
   </p:clrMapOvr>
+  <p:transition spd="slow">
+    <p:cover/>
+  </p:transition>
 </p:sld>
 </file>
 
@@ -8246,7 +8697,7 @@
         <a:font script="Geor" typeface="Sylfaen"/>
       </a:minorFont>
     </a:fontScheme>
-    <a:fmtScheme name="Glacé">
+    <a:fmtScheme name="Rognage">
       <a:fillStyleLst>
         <a:solidFill>
           <a:schemeClr val="phClr"/>
@@ -8255,78 +8706,69 @@
           <a:gsLst>
             <a:gs pos="0">
               <a:schemeClr val="phClr">
-                <a:tint val="62000"/>
-                <a:satMod val="180000"/>
+                <a:tint val="67000"/>
+                <a:satMod val="105000"/>
+                <a:lumMod val="110000"/>
               </a:schemeClr>
             </a:gs>
-            <a:gs pos="65000">
+            <a:gs pos="50000">
               <a:schemeClr val="phClr">
-                <a:tint val="32000"/>
-                <a:satMod val="250000"/>
+                <a:tint val="73000"/>
+                <a:satMod val="103000"/>
+                <a:lumMod val="105000"/>
               </a:schemeClr>
             </a:gs>
             <a:gs pos="100000">
               <a:schemeClr val="phClr">
-                <a:tint val="23000"/>
-                <a:satMod val="300000"/>
+                <a:tint val="81000"/>
+                <a:satMod val="109000"/>
+                <a:lumMod val="105000"/>
               </a:schemeClr>
             </a:gs>
           </a:gsLst>
-          <a:lin ang="16200000" scaled="0"/>
+          <a:lin ang="5400000" scaled="0"/>
         </a:gradFill>
         <a:gradFill rotWithShape="1">
           <a:gsLst>
             <a:gs pos="0">
               <a:schemeClr val="phClr">
-                <a:shade val="15000"/>
-                <a:satMod val="180000"/>
+                <a:tint val="94000"/>
+                <a:satMod val="103000"/>
+                <a:lumMod val="102000"/>
               </a:schemeClr>
             </a:gs>
             <a:gs pos="50000">
               <a:schemeClr val="phClr">
-                <a:shade val="45000"/>
-                <a:satMod val="170000"/>
-              </a:schemeClr>
-            </a:gs>
-            <a:gs pos="70000">
-              <a:schemeClr val="phClr">
-                <a:tint val="99000"/>
-                <a:shade val="65000"/>
-                <a:satMod val="155000"/>
+                <a:shade val="100000"/>
+                <a:satMod val="110000"/>
+                <a:lumMod val="100000"/>
               </a:schemeClr>
             </a:gs>
             <a:gs pos="100000">
               <a:schemeClr val="phClr">
-                <a:tint val="95500"/>
-                <a:shade val="100000"/>
-                <a:satMod val="155000"/>
+                <a:shade val="78000"/>
+                <a:satMod val="120000"/>
+                <a:lumMod val="99000"/>
               </a:schemeClr>
             </a:gs>
           </a:gsLst>
-          <a:lin ang="16200000" scaled="0"/>
+          <a:lin ang="5400000" scaled="0"/>
         </a:gradFill>
       </a:fillStyleLst>
       <a:lnStyleLst>
-        <a:ln w="12700" cap="flat" cmpd="sng" algn="ctr">
+        <a:ln w="6350" cap="flat" cmpd="sng" algn="in">
           <a:solidFill>
-            <a:schemeClr val="phClr">
-              <a:tint val="95000"/>
-              <a:shade val="95000"/>
-              <a:satMod val="120000"/>
-            </a:schemeClr>
+            <a:schemeClr val="phClr"/>
           </a:solidFill>
           <a:prstDash val="solid"/>
         </a:ln>
-        <a:ln w="55000" cap="flat" cmpd="thickThin" algn="ctr">
+        <a:ln w="34925" cap="flat" cmpd="sng" algn="in">
           <a:solidFill>
-            <a:schemeClr val="phClr">
-              <a:tint val="90000"/>
-              <a:satMod val="130000"/>
-            </a:schemeClr>
+            <a:schemeClr val="phClr"/>
           </a:solidFill>
           <a:prstDash val="solid"/>
         </a:ln>
-        <a:ln w="50800" cap="flat" cmpd="sng" algn="ctr">
+        <a:ln w="19050" cap="flat" cmpd="sng" algn="in">
           <a:solidFill>
             <a:schemeClr val="phClr"/>
           </a:solidFill>
@@ -8335,47 +8777,19 @@
       </a:lnStyleLst>
       <a:effectStyleLst>
         <a:effectStyle>
+          <a:effectLst/>
+        </a:effectStyle>
+        <a:effectStyle>
+          <a:effectLst/>
+        </a:effectStyle>
+        <a:effectStyle>
           <a:effectLst>
-            <a:outerShdw blurRad="50800" dist="38100" dir="5400000" rotWithShape="0">
+            <a:outerShdw blurRad="57150" dist="19050" dir="5400000" algn="ctr" rotWithShape="0">
               <a:srgbClr val="000000">
                 <a:alpha val="35000"/>
               </a:srgbClr>
             </a:outerShdw>
           </a:effectLst>
-        </a:effectStyle>
-        <a:effectStyle>
-          <a:effectLst>
-            <a:outerShdw blurRad="50800" dist="38100" dir="5400000" rotWithShape="0">
-              <a:srgbClr val="000000">
-                <a:alpha val="35000"/>
-              </a:srgbClr>
-            </a:outerShdw>
-          </a:effectLst>
-        </a:effectStyle>
-        <a:effectStyle>
-          <a:effectLst>
-            <a:outerShdw blurRad="63500" dist="38100" dir="5400000" rotWithShape="0">
-              <a:srgbClr val="000000">
-                <a:alpha val="45000"/>
-              </a:srgbClr>
-            </a:outerShdw>
-          </a:effectLst>
-          <a:scene3d>
-            <a:camera prst="orthographicFront">
-              <a:rot lat="0" lon="0" rev="0"/>
-            </a:camera>
-            <a:lightRig rig="glow" dir="t">
-              <a:rot lat="0" lon="0" rev="6360000"/>
-            </a:lightRig>
-          </a:scene3d>
-          <a:sp3d contourW="1000" prstMaterial="flat">
-            <a:bevelT w="95250" h="101600"/>
-            <a:contourClr>
-              <a:schemeClr val="phClr">
-                <a:satMod val="300000"/>
-              </a:schemeClr>
-            </a:contourClr>
-          </a:sp3d>
         </a:effectStyle>
       </a:effectStyleLst>
       <a:bgFillStyleLst>

--- a/Présentation/Présentation 27_02_2018.pptx
+++ b/Présentation/Présentation 27_02_2018.pptx
@@ -5,10 +5,10 @@
     <p:sldMasterId id="2147483804" r:id="rId1"/>
   </p:sldMasterIdLst>
   <p:notesMasterIdLst>
-    <p:notesMasterId r:id="rId13"/>
+    <p:notesMasterId r:id="rId14"/>
   </p:notesMasterIdLst>
   <p:handoutMasterIdLst>
-    <p:handoutMasterId r:id="rId14"/>
+    <p:handoutMasterId r:id="rId15"/>
   </p:handoutMasterIdLst>
   <p:sldIdLst>
     <p:sldId id="256" r:id="rId2"/>
@@ -22,6 +22,7 @@
     <p:sldId id="262" r:id="rId10"/>
     <p:sldId id="265" r:id="rId11"/>
     <p:sldId id="267" r:id="rId12"/>
+    <p:sldId id="268" r:id="rId13"/>
   </p:sldIdLst>
   <p:sldSz cx="12192000" cy="6858000"/>
   <p:notesSz cx="6858000" cy="9144000"/>
@@ -225,7 +226,7 @@
           <a:p>
             <a:fld id="{FFF94BC6-7490-4138-B2B3-2BD3ED35DAFF}" type="datetimeFigureOut">
               <a:rPr lang="fr-FR" smtClean="0"/>
-              <a:t>26/02/2018</a:t>
+              <a:t>27/02/2018</a:t>
             </a:fld>
             <a:endParaRPr lang="fr-FR"/>
           </a:p>
@@ -439,7 +440,7 @@
           <a:p>
             <a:fld id="{0792F3DA-FA97-4026-AACC-48C33D1A20A5}" type="datetimeFigureOut">
               <a:rPr lang="fr-FR" smtClean="0"/>
-              <a:t>26/02/2018</a:t>
+              <a:t>27/02/2018</a:t>
             </a:fld>
             <a:endParaRPr lang="fr-FR"/>
           </a:p>
@@ -880,7 +881,7 @@
           <a:p>
             <a:fld id="{545A3781-F129-42A2-B3BE-FA4305C9CBAC}" type="datetime1">
               <a:rPr lang="fr-FR" smtClean="0"/>
-              <a:t>26/02/2018</a:t>
+              <a:t>27/02/2018</a:t>
             </a:fld>
             <a:endParaRPr lang="fr-FR"/>
           </a:p>
@@ -1210,7 +1211,7 @@
           <a:p>
             <a:fld id="{A7DD7671-CE5A-4F13-A006-8803CED89820}" type="datetime1">
               <a:rPr lang="fr-FR" smtClean="0"/>
-              <a:t>26/02/2018</a:t>
+              <a:t>27/02/2018</a:t>
             </a:fld>
             <a:endParaRPr lang="fr-FR"/>
           </a:p>
@@ -1390,7 +1391,7 @@
           <a:p>
             <a:fld id="{AD799084-185B-4E09-B6ED-EEB23401345E}" type="datetime1">
               <a:rPr lang="fr-FR" smtClean="0"/>
-              <a:t>26/02/2018</a:t>
+              <a:t>27/02/2018</a:t>
             </a:fld>
             <a:endParaRPr lang="fr-FR"/>
           </a:p>
@@ -1560,7 +1561,7 @@
           <a:p>
             <a:fld id="{CAAA3820-11B3-494A-8510-8B438AC8F0A2}" type="datetime1">
               <a:rPr lang="fr-FR" smtClean="0"/>
-              <a:t>26/02/2018</a:t>
+              <a:t>27/02/2018</a:t>
             </a:fld>
             <a:endParaRPr lang="fr-FR"/>
           </a:p>
@@ -1837,7 +1838,7 @@
           <a:p>
             <a:fld id="{70C9123D-6EEA-4462-954F-7B09A7144F04}" type="datetime1">
               <a:rPr lang="fr-FR" smtClean="0"/>
-              <a:t>26/02/2018</a:t>
+              <a:t>27/02/2018</a:t>
             </a:fld>
             <a:endParaRPr lang="fr-FR"/>
           </a:p>
@@ -2231,7 +2232,7 @@
           <a:p>
             <a:fld id="{5BB27AAB-132C-4739-A1F9-49D650D747D0}" type="datetime1">
               <a:rPr lang="fr-FR" smtClean="0"/>
-              <a:t>26/02/2018</a:t>
+              <a:t>27/02/2018</a:t>
             </a:fld>
             <a:endParaRPr lang="fr-FR"/>
           </a:p>
@@ -2708,7 +2709,7 @@
           <a:p>
             <a:fld id="{B845B989-195B-42A3-94EC-C6156FB0048F}" type="datetime1">
               <a:rPr lang="fr-FR" smtClean="0"/>
-              <a:t>26/02/2018</a:t>
+              <a:t>27/02/2018</a:t>
             </a:fld>
             <a:endParaRPr lang="fr-FR"/>
           </a:p>
@@ -2826,7 +2827,7 @@
           <a:p>
             <a:fld id="{CEF445D1-D9E9-4695-A6E4-29BBEDAE9BC6}" type="datetime1">
               <a:rPr lang="fr-FR" smtClean="0"/>
-              <a:t>26/02/2018</a:t>
+              <a:t>27/02/2018</a:t>
             </a:fld>
             <a:endParaRPr lang="fr-FR"/>
           </a:p>
@@ -2921,7 +2922,7 @@
           <a:p>
             <a:fld id="{6D4342DC-9682-4544-8F3B-176364642215}" type="datetime1">
               <a:rPr lang="fr-FR" smtClean="0"/>
-              <a:t>26/02/2018</a:t>
+              <a:t>27/02/2018</a:t>
             </a:fld>
             <a:endParaRPr lang="fr-FR"/>
           </a:p>
@@ -3267,7 +3268,7 @@
           <a:p>
             <a:fld id="{AC7AF361-9BD4-47E8-BFE1-1919D395A6A6}" type="datetime1">
               <a:rPr lang="fr-FR" smtClean="0"/>
-              <a:t>26/02/2018</a:t>
+              <a:t>27/02/2018</a:t>
             </a:fld>
             <a:endParaRPr lang="fr-FR"/>
           </a:p>
@@ -3655,7 +3656,7 @@
           <a:p>
             <a:fld id="{32D3192D-64C4-4F0E-A0D2-E632304292F1}" type="datetime1">
               <a:rPr lang="fr-FR" smtClean="0"/>
-              <a:t>26/02/2018</a:t>
+              <a:t>27/02/2018</a:t>
             </a:fld>
             <a:endParaRPr lang="fr-FR"/>
           </a:p>
@@ -3933,7 +3934,7 @@
           <a:p>
             <a:fld id="{BE22DA1D-13EE-42AB-BC79-47C955520580}" type="datetime1">
               <a:rPr lang="fr-FR" smtClean="0"/>
-              <a:t>26/02/2018</a:t>
+              <a:t>27/02/2018</a:t>
             </a:fld>
             <a:endParaRPr lang="fr-FR"/>
           </a:p>
@@ -5815,6 +5816,53 @@
           </a:extLst>
         </p:spPr>
       </p:pic>
+      <p:pic>
+        <p:nvPicPr>
+          <p:cNvPr id="1026" name="Picture 2" descr="Résultat de recherche d'images pour &quot;altium designer png&quot;">
+            <a:extLst>
+              <a:ext uri="{FF2B5EF4-FFF2-40B4-BE49-F238E27FC236}">
+                <a16:creationId xmlns:a16="http://schemas.microsoft.com/office/drawing/2014/main" id="{5AF72B69-451A-46FD-AC34-A208CAD9E3D2}"/>
+              </a:ext>
+            </a:extLst>
+          </p:cNvPr>
+          <p:cNvPicPr>
+            <a:picLocks noChangeAspect="1" noChangeArrowheads="1"/>
+          </p:cNvPicPr>
+          <p:nvPr/>
+        </p:nvPicPr>
+        <p:blipFill>
+          <a:blip r:embed="rId9">
+            <a:extLst>
+              <a:ext uri="{28A0092B-C50C-407E-A947-70E740481C1C}">
+                <a14:useLocalDpi xmlns:a14="http://schemas.microsoft.com/office/drawing/2010/main" val="0"/>
+              </a:ext>
+            </a:extLst>
+          </a:blip>
+          <a:srcRect/>
+          <a:stretch>
+            <a:fillRect/>
+          </a:stretch>
+        </p:blipFill>
+        <p:spPr bwMode="auto">
+          <a:xfrm>
+            <a:off x="5142481" y="5264355"/>
+            <a:ext cx="2377978" cy="1246581"/>
+          </a:xfrm>
+          <a:prstGeom prst="rect">
+            <a:avLst/>
+          </a:prstGeom>
+          <a:noFill/>
+          <a:extLst>
+            <a:ext uri="{909E8E84-426E-40DD-AFC4-6F175D3DCCD1}">
+              <a14:hiddenFill xmlns:a14="http://schemas.microsoft.com/office/drawing/2010/main">
+                <a:solidFill>
+                  <a:srgbClr val="FFFFFF"/>
+                </a:solidFill>
+              </a14:hiddenFill>
+            </a:ext>
+          </a:extLst>
+        </p:spPr>
+      </p:pic>
     </p:spTree>
     <p:extLst>
       <p:ext uri="{BB962C8B-B14F-4D97-AF65-F5344CB8AC3E}">
@@ -5828,6 +5876,165 @@
   <p:transition spd="slow">
     <p:cover/>
   </p:transition>
+</p:sld>
+</file>
+
+<file path=ppt/slides/slide12.xml><?xml version="1.0" encoding="utf-8"?>
+<p:sld xmlns:a="http://schemas.openxmlformats.org/drawingml/2006/main" xmlns:r="http://schemas.openxmlformats.org/officeDocument/2006/relationships" xmlns:p="http://schemas.openxmlformats.org/presentationml/2006/main">
+  <p:cSld>
+    <p:spTree>
+      <p:nvGrpSpPr>
+        <p:cNvPr id="1" name=""/>
+        <p:cNvGrpSpPr/>
+        <p:nvPr/>
+      </p:nvGrpSpPr>
+      <p:grpSpPr>
+        <a:xfrm>
+          <a:off x="0" y="0"/>
+          <a:ext cx="0" cy="0"/>
+          <a:chOff x="0" y="0"/>
+          <a:chExt cx="0" cy="0"/>
+        </a:xfrm>
+      </p:grpSpPr>
+      <p:sp>
+        <p:nvSpPr>
+          <p:cNvPr id="2" name="Titre 1">
+            <a:extLst>
+              <a:ext uri="{FF2B5EF4-FFF2-40B4-BE49-F238E27FC236}">
+                <a16:creationId xmlns:a16="http://schemas.microsoft.com/office/drawing/2014/main" id="{E1CC00B6-6880-450A-946D-0B2BDE12AA8F}"/>
+              </a:ext>
+            </a:extLst>
+          </p:cNvPr>
+          <p:cNvSpPr>
+            <a:spLocks noGrp="1"/>
+          </p:cNvSpPr>
+          <p:nvPr>
+            <p:ph type="title"/>
+          </p:nvPr>
+        </p:nvSpPr>
+        <p:spPr/>
+        <p:txBody>
+          <a:bodyPr/>
+          <a:lstStyle/>
+          <a:p>
+            <a:pPr algn="ctr"/>
+            <a:r>
+              <a:rPr lang="fr-FR" dirty="0"/>
+              <a:t>Démonstration</a:t>
+            </a:r>
+          </a:p>
+        </p:txBody>
+      </p:sp>
+      <p:pic>
+        <p:nvPicPr>
+          <p:cNvPr id="6" name="Espace réservé du contenu 5">
+            <a:extLst>
+              <a:ext uri="{FF2B5EF4-FFF2-40B4-BE49-F238E27FC236}">
+                <a16:creationId xmlns:a16="http://schemas.microsoft.com/office/drawing/2014/main" id="{5F862079-3A7F-4DB0-9726-745907AA025E}"/>
+              </a:ext>
+            </a:extLst>
+          </p:cNvPr>
+          <p:cNvPicPr>
+            <a:picLocks noGrp="1" noChangeAspect="1"/>
+          </p:cNvPicPr>
+          <p:nvPr>
+            <p:ph idx="1"/>
+          </p:nvPr>
+        </p:nvPicPr>
+        <p:blipFill>
+          <a:blip r:embed="rId2">
+            <a:extLst>
+              <a:ext uri="{28A0092B-C50C-407E-A947-70E740481C1C}">
+                <a14:useLocalDpi xmlns:a14="http://schemas.microsoft.com/office/drawing/2010/main" val="0"/>
+              </a:ext>
+            </a:extLst>
+          </a:blip>
+          <a:stretch>
+            <a:fillRect/>
+          </a:stretch>
+        </p:blipFill>
+        <p:spPr>
+          <a:xfrm>
+            <a:off x="3752345" y="2171700"/>
+            <a:ext cx="4839710" cy="2297785"/>
+          </a:xfrm>
+        </p:spPr>
+      </p:pic>
+      <p:sp>
+        <p:nvSpPr>
+          <p:cNvPr id="4" name="Espace réservé du numéro de diapositive 3">
+            <a:extLst>
+              <a:ext uri="{FF2B5EF4-FFF2-40B4-BE49-F238E27FC236}">
+                <a16:creationId xmlns:a16="http://schemas.microsoft.com/office/drawing/2014/main" id="{C93B7152-0B5A-4438-8BCC-81E637350723}"/>
+              </a:ext>
+            </a:extLst>
+          </p:cNvPr>
+          <p:cNvSpPr>
+            <a:spLocks noGrp="1"/>
+          </p:cNvSpPr>
+          <p:nvPr>
+            <p:ph type="sldNum" sz="quarter" idx="12"/>
+          </p:nvPr>
+        </p:nvSpPr>
+        <p:spPr/>
+        <p:txBody>
+          <a:bodyPr/>
+          <a:lstStyle/>
+          <a:p>
+            <a:fld id="{1A1C1EDE-16B0-4FB0-A57E-F5C4163E195F}" type="slidenum">
+              <a:rPr lang="fr-FR" smtClean="0"/>
+              <a:t>12</a:t>
+            </a:fld>
+            <a:endParaRPr lang="fr-FR"/>
+          </a:p>
+        </p:txBody>
+      </p:sp>
+      <p:pic>
+        <p:nvPicPr>
+          <p:cNvPr id="7" name="Image 6" descr="Une image contenant objet&#10;&#10;Description générée avec un niveau de confiance élevé">
+            <a:extLst>
+              <a:ext uri="{FF2B5EF4-FFF2-40B4-BE49-F238E27FC236}">
+                <a16:creationId xmlns:a16="http://schemas.microsoft.com/office/drawing/2014/main" id="{C43C6F10-5F59-45D6-BA4C-27AF4C8836CB}"/>
+              </a:ext>
+            </a:extLst>
+          </p:cNvPr>
+          <p:cNvPicPr>
+            <a:picLocks noChangeAspect="1"/>
+          </p:cNvPicPr>
+          <p:nvPr/>
+        </p:nvPicPr>
+        <p:blipFill>
+          <a:blip r:embed="rId3">
+            <a:extLst>
+              <a:ext uri="{28A0092B-C50C-407E-A947-70E740481C1C}">
+                <a14:useLocalDpi xmlns:a14="http://schemas.microsoft.com/office/drawing/2010/main" val="0"/>
+              </a:ext>
+            </a:extLst>
+          </a:blip>
+          <a:stretch>
+            <a:fillRect/>
+          </a:stretch>
+        </p:blipFill>
+        <p:spPr>
+          <a:xfrm>
+            <a:off x="1122972" y="5452463"/>
+            <a:ext cx="2377978" cy="1058473"/>
+          </a:xfrm>
+          <a:prstGeom prst="rect">
+            <a:avLst/>
+          </a:prstGeom>
+        </p:spPr>
+      </p:pic>
+    </p:spTree>
+    <p:extLst>
+      <p:ext uri="{BB962C8B-B14F-4D97-AF65-F5344CB8AC3E}">
+        <p14:creationId xmlns:p14="http://schemas.microsoft.com/office/powerpoint/2010/main" val="2011387215"/>
+      </p:ext>
+    </p:extLst>
+  </p:cSld>
+  <p:clrMapOvr>
+    <a:masterClrMapping/>
+  </p:clrMapOvr>
 </p:sld>
 </file>
 
@@ -5893,50 +6100,139 @@
             <p:ph idx="1"/>
           </p:nvPr>
         </p:nvSpPr>
-        <p:spPr/>
-        <p:txBody>
-          <a:bodyPr/>
+        <p:spPr>
+          <a:xfrm>
+            <a:off x="2462980" y="1238487"/>
+            <a:ext cx="9601200" cy="2573594"/>
+          </a:xfrm>
+        </p:spPr>
+        <p:txBody>
+          <a:bodyPr numCol="2">
+            <a:noAutofit/>
+          </a:bodyPr>
           <a:lstStyle/>
           <a:p>
-            <a:r>
-              <a:rPr lang="fr-FR" dirty="0"/>
+            <a:pPr marL="457200" indent="-457200">
+              <a:lnSpc>
+                <a:spcPct val="150000"/>
+              </a:lnSpc>
+              <a:buFont typeface="+mj-lt"/>
+              <a:buAutoNum type="arabicPeriod"/>
+            </a:pPr>
+            <a:endParaRPr lang="fr-FR" sz="2400" dirty="0"/>
+          </a:p>
+          <a:p>
+            <a:pPr marL="457200" indent="-457200">
+              <a:lnSpc>
+                <a:spcPct val="150000"/>
+              </a:lnSpc>
+              <a:buFont typeface="+mj-lt"/>
+              <a:buAutoNum type="arabicPeriod"/>
+            </a:pPr>
+            <a:r>
+              <a:rPr lang="fr-FR" sz="2400" dirty="0"/>
               <a:t>Objectifs</a:t>
             </a:r>
           </a:p>
           <a:p>
-            <a:r>
-              <a:rPr lang="fr-FR" dirty="0"/>
+            <a:pPr marL="457200" indent="-457200">
+              <a:lnSpc>
+                <a:spcPct val="150000"/>
+              </a:lnSpc>
+              <a:buFont typeface="+mj-lt"/>
+              <a:buAutoNum type="arabicPeriod"/>
+            </a:pPr>
+            <a:r>
+              <a:rPr lang="fr-FR" sz="2400" dirty="0"/>
               <a:t>Concept</a:t>
             </a:r>
           </a:p>
           <a:p>
-            <a:r>
-              <a:rPr lang="fr-FR" dirty="0"/>
+            <a:pPr marL="457200" indent="-457200">
+              <a:lnSpc>
+                <a:spcPct val="150000"/>
+              </a:lnSpc>
+              <a:buFont typeface="+mj-lt"/>
+              <a:buAutoNum type="arabicPeriod"/>
+            </a:pPr>
+            <a:r>
+              <a:rPr lang="fr-FR" sz="2400" dirty="0"/>
               <a:t>Ordinateur embarqué </a:t>
             </a:r>
           </a:p>
           <a:p>
-            <a:r>
-              <a:rPr lang="fr-FR" dirty="0"/>
+            <a:pPr marL="457200" indent="-457200">
+              <a:lnSpc>
+                <a:spcPct val="150000"/>
+              </a:lnSpc>
+              <a:buFont typeface="+mj-lt"/>
+              <a:buAutoNum type="arabicPeriod"/>
+            </a:pPr>
+            <a:r>
+              <a:rPr lang="fr-FR" sz="2400" dirty="0"/>
               <a:t>Détecteur de chocs</a:t>
             </a:r>
           </a:p>
           <a:p>
-            <a:r>
-              <a:rPr lang="fr-FR" dirty="0"/>
+            <a:pPr marL="457200" indent="-457200">
+              <a:lnSpc>
+                <a:spcPct val="150000"/>
+              </a:lnSpc>
+              <a:buFont typeface="+mj-lt"/>
+              <a:buAutoNum type="arabicPeriod"/>
+            </a:pPr>
+            <a:endParaRPr lang="fr-FR" sz="2400" dirty="0"/>
+          </a:p>
+          <a:p>
+            <a:pPr marL="457200" indent="-457200">
+              <a:lnSpc>
+                <a:spcPct val="150000"/>
+              </a:lnSpc>
+              <a:buFont typeface="+mj-lt"/>
+              <a:buAutoNum type="arabicPeriod"/>
+            </a:pPr>
+            <a:r>
+              <a:rPr lang="fr-FR" sz="2400" dirty="0"/>
               <a:t>GPS</a:t>
             </a:r>
           </a:p>
           <a:p>
-            <a:r>
-              <a:rPr lang="fr-FR" dirty="0"/>
+            <a:pPr marL="457200" indent="-457200">
+              <a:lnSpc>
+                <a:spcPct val="150000"/>
+              </a:lnSpc>
+              <a:buFont typeface="+mj-lt"/>
+              <a:buAutoNum type="arabicPeriod"/>
+            </a:pPr>
+            <a:r>
+              <a:rPr lang="fr-FR" sz="2400" dirty="0"/>
               <a:t>Transmission des données</a:t>
             </a:r>
           </a:p>
           <a:p>
-            <a:r>
-              <a:rPr lang="fr-FR" dirty="0"/>
-              <a:t>Démonstration</a:t>
+            <a:pPr marL="457200" indent="-457200">
+              <a:lnSpc>
+                <a:spcPct val="150000"/>
+              </a:lnSpc>
+              <a:buFont typeface="+mj-lt"/>
+              <a:buAutoNum type="arabicPeriod"/>
+            </a:pPr>
+            <a:r>
+              <a:rPr lang="fr-FR" sz="2400" dirty="0"/>
+              <a:t>Autres fonctionnalités</a:t>
+            </a:r>
+          </a:p>
+          <a:p>
+            <a:pPr marL="457200" indent="-457200">
+              <a:lnSpc>
+                <a:spcPct val="150000"/>
+              </a:lnSpc>
+              <a:buFont typeface="+mj-lt"/>
+              <a:buAutoNum type="arabicPeriod"/>
+            </a:pPr>
+            <a:r>
+              <a:rPr lang="fr-FR" sz="2400" dirty="0"/>
+              <a:t>Intégration</a:t>
             </a:r>
           </a:p>
         </p:txBody>
@@ -6474,8 +6770,8 @@
         </p:nvSpPr>
         <p:spPr>
           <a:xfrm>
-            <a:off x="3124200" y="3187065"/>
-            <a:ext cx="1226820" cy="483869"/>
+            <a:off x="3124200" y="3187066"/>
+            <a:ext cx="1211826" cy="448412"/>
           </a:xfrm>
           <a:prstGeom prst="rect">
             <a:avLst/>
@@ -6504,7 +6800,7 @@
             <a:pPr algn="ctr"/>
             <a:r>
               <a:rPr lang="fr-FR" dirty="0"/>
-              <a:t>Capteur de choc</a:t>
+              <a:t>Capteur de chocs</a:t>
             </a:r>
           </a:p>
         </p:txBody>
@@ -6622,6 +6918,7 @@
             </a:extLst>
           </p:cNvPr>
           <p:cNvCxnSpPr>
+            <a:cxnSpLocks/>
             <a:stCxn id="11" idx="3"/>
             <a:endCxn id="5" idx="1"/>
           </p:cNvCxnSpPr>
@@ -6629,8 +6926,8 @@
         </p:nvCxnSpPr>
         <p:spPr>
           <a:xfrm>
-            <a:off x="4351020" y="3429000"/>
-            <a:ext cx="883920" cy="0"/>
+            <a:off x="4336026" y="3411272"/>
+            <a:ext cx="898914" cy="17728"/>
           </a:xfrm>
           <a:prstGeom prst="straightConnector1">
             <a:avLst/>
@@ -7450,7 +7747,7 @@
             <a:pPr algn="ctr"/>
             <a:r>
               <a:rPr lang="fr-FR" dirty="0"/>
-              <a:t>Réalisation</a:t>
+              <a:t>GPS</a:t>
             </a:r>
           </a:p>
         </p:txBody>
@@ -7713,7 +8010,7 @@
         </p:nvSpPr>
         <p:spPr>
           <a:xfrm>
-            <a:off x="2084312" y="4133373"/>
+            <a:off x="2275242" y="4159160"/>
             <a:ext cx="8186570" cy="369332"/>
           </a:xfrm>
           <a:prstGeom prst="rect">
@@ -7729,7 +8026,7 @@
           <a:p>
             <a:r>
               <a:rPr lang="fr-FR" dirty="0"/>
-              <a:t>$GPRMC,194509.000,A,4042.6142,N,07400.4168,E,2.03,221.11,160412,,,A*77</a:t>
+              <a:t>$GPRMC,194509.000,A,4042.6142,N,07400.4168,E,2.03,221.11,280218,,,A*77</a:t>
             </a:r>
           </a:p>
         </p:txBody>
@@ -8393,14 +8690,45 @@
             <p:ph idx="1"/>
           </p:nvPr>
         </p:nvSpPr>
-        <p:spPr/>
-        <p:txBody>
-          <a:bodyPr/>
+        <p:spPr>
+          <a:xfrm>
+            <a:off x="1371600" y="2286000"/>
+            <a:ext cx="9070258" cy="3581400"/>
+          </a:xfrm>
+        </p:spPr>
+        <p:txBody>
+          <a:bodyPr numCol="2" spcCol="1800000">
+            <a:normAutofit/>
+          </a:bodyPr>
           <a:lstStyle/>
           <a:p>
             <a:r>
               <a:rPr lang="fr-FR" dirty="0"/>
-              <a:t>Bouton Momentané avec LED intégré		Avertisseur sonore</a:t>
+              <a:t>Bouton Momentané avec LED intégré		</a:t>
+            </a:r>
+          </a:p>
+          <a:p>
+            <a:endParaRPr lang="fr-FR" dirty="0"/>
+          </a:p>
+          <a:p>
+            <a:endParaRPr lang="fr-FR" dirty="0"/>
+          </a:p>
+          <a:p>
+            <a:endParaRPr lang="fr-FR" dirty="0"/>
+          </a:p>
+          <a:p>
+            <a:endParaRPr lang="fr-FR" dirty="0"/>
+          </a:p>
+          <a:p>
+            <a:endParaRPr lang="fr-FR" dirty="0"/>
+          </a:p>
+          <a:p>
+            <a:endParaRPr lang="fr-FR" dirty="0"/>
+          </a:p>
+          <a:p>
+            <a:r>
+              <a:rPr lang="fr-FR" dirty="0"/>
+              <a:t>Avertisseur sonore</a:t>
             </a:r>
           </a:p>
         </p:txBody>
